--- a/교통사고/교통사고 데이터 분석.pptx
+++ b/교통사고/교통사고 데이터 분석.pptx
@@ -14,7 +14,8 @@
     <p:sldId id="268" r:id="rId8"/>
     <p:sldId id="269" r:id="rId9"/>
     <p:sldId id="270" r:id="rId10"/>
-    <p:sldId id="264" r:id="rId11"/>
+    <p:sldId id="271" r:id="rId11"/>
+    <p:sldId id="264" r:id="rId12"/>
   </p:sldIdLst>
   <p:sldSz cx="12192000" cy="6858000"/>
   <p:notesSz cx="6858000" cy="9144000"/>
@@ -365,7 +366,7 @@
           <a:p>
             <a:fld id="{9184DA70-C731-4C70-880D-CCD4705E623C}" type="datetime1">
               <a:rPr lang="en-US" smtClean="0"/>
-              <a:t>11/8/2019</a:t>
+              <a:t>11/9/2019</a:t>
             </a:fld>
             <a:endParaRPr lang="en-US" dirty="0"/>
           </a:p>
@@ -553,7 +554,7 @@
           <a:p>
             <a:fld id="{B612A279-0833-481D-8C56-F67FD0AC6C50}" type="datetime1">
               <a:rPr lang="en-US" smtClean="0"/>
-              <a:t>11/8/2019</a:t>
+              <a:t>11/9/2019</a:t>
             </a:fld>
             <a:endParaRPr lang="en-US" dirty="0"/>
           </a:p>
@@ -795,7 +796,7 @@
           <a:p>
             <a:fld id="{6587DA83-5663-4C9C-B9AA-0B40A3DAFF81}" type="datetime1">
               <a:rPr lang="en-US" smtClean="0"/>
-              <a:t>11/8/2019</a:t>
+              <a:t>11/9/2019</a:t>
             </a:fld>
             <a:endParaRPr lang="en-US" dirty="0"/>
           </a:p>
@@ -1047,7 +1048,7 @@
           <a:p>
             <a:fld id="{FB30EDBD-1C2D-4C1E-B459-B60219FAB484}" type="datetimeFigureOut">
               <a:rPr lang="ko-KR" altLang="en-US" smtClean="0"/>
-              <a:t>2019-11-08</a:t>
+              <a:t>2019-11-09</a:t>
             </a:fld>
             <a:endParaRPr lang="ko-KR" altLang="en-US"/>
           </a:p>
@@ -1215,7 +1216,7 @@
           <a:p>
             <a:fld id="{FB30EDBD-1C2D-4C1E-B459-B60219FAB484}" type="datetimeFigureOut">
               <a:rPr lang="ko-KR" altLang="en-US" smtClean="0"/>
-              <a:t>2019-11-08</a:t>
+              <a:t>2019-11-09</a:t>
             </a:fld>
             <a:endParaRPr lang="ko-KR" altLang="en-US"/>
           </a:p>
@@ -1460,7 +1461,7 @@
           <a:p>
             <a:fld id="{FB30EDBD-1C2D-4C1E-B459-B60219FAB484}" type="datetimeFigureOut">
               <a:rPr lang="ko-KR" altLang="en-US" smtClean="0"/>
-              <a:t>2019-11-08</a:t>
+              <a:t>2019-11-09</a:t>
             </a:fld>
             <a:endParaRPr lang="ko-KR" altLang="en-US"/>
           </a:p>
@@ -1745,7 +1746,7 @@
           <a:p>
             <a:fld id="{FB30EDBD-1C2D-4C1E-B459-B60219FAB484}" type="datetimeFigureOut">
               <a:rPr lang="ko-KR" altLang="en-US" smtClean="0"/>
-              <a:t>2019-11-08</a:t>
+              <a:t>2019-11-09</a:t>
             </a:fld>
             <a:endParaRPr lang="ko-KR" altLang="en-US"/>
           </a:p>
@@ -2164,7 +2165,7 @@
           <a:p>
             <a:fld id="{FB30EDBD-1C2D-4C1E-B459-B60219FAB484}" type="datetimeFigureOut">
               <a:rPr lang="ko-KR" altLang="en-US" smtClean="0"/>
-              <a:t>2019-11-08</a:t>
+              <a:t>2019-11-09</a:t>
             </a:fld>
             <a:endParaRPr lang="ko-KR" altLang="en-US"/>
           </a:p>
@@ -2281,7 +2282,7 @@
           <a:p>
             <a:fld id="{FB30EDBD-1C2D-4C1E-B459-B60219FAB484}" type="datetimeFigureOut">
               <a:rPr lang="ko-KR" altLang="en-US" smtClean="0"/>
-              <a:t>2019-11-08</a:t>
+              <a:t>2019-11-09</a:t>
             </a:fld>
             <a:endParaRPr lang="ko-KR" altLang="en-US"/>
           </a:p>
@@ -2376,7 +2377,7 @@
           <a:p>
             <a:fld id="{FB30EDBD-1C2D-4C1E-B459-B60219FAB484}" type="datetimeFigureOut">
               <a:rPr lang="ko-KR" altLang="en-US" smtClean="0"/>
-              <a:t>2019-11-08</a:t>
+              <a:t>2019-11-09</a:t>
             </a:fld>
             <a:endParaRPr lang="ko-KR" altLang="en-US"/>
           </a:p>
@@ -2651,7 +2652,7 @@
           <a:p>
             <a:fld id="{FB30EDBD-1C2D-4C1E-B459-B60219FAB484}" type="datetimeFigureOut">
               <a:rPr lang="ko-KR" altLang="en-US" smtClean="0"/>
-              <a:t>2019-11-08</a:t>
+              <a:t>2019-11-09</a:t>
             </a:fld>
             <a:endParaRPr lang="ko-KR" altLang="en-US"/>
           </a:p>
@@ -2827,7 +2828,7 @@
           <a:p>
             <a:fld id="{4BE1D723-8F53-4F53-90B0-1982A396982E}" type="datetime1">
               <a:rPr lang="en-US" smtClean="0"/>
-              <a:t>11/8/2019</a:t>
+              <a:t>11/9/2019</a:t>
             </a:fld>
             <a:endParaRPr lang="en-US" dirty="0"/>
           </a:p>
@@ -3091,7 +3092,7 @@
           <a:p>
             <a:fld id="{FB30EDBD-1C2D-4C1E-B459-B60219FAB484}" type="datetimeFigureOut">
               <a:rPr lang="ko-KR" altLang="en-US" smtClean="0"/>
-              <a:t>2019-11-08</a:t>
+              <a:t>2019-11-09</a:t>
             </a:fld>
             <a:endParaRPr lang="ko-KR" altLang="en-US"/>
           </a:p>
@@ -3259,7 +3260,7 @@
           <a:p>
             <a:fld id="{FB30EDBD-1C2D-4C1E-B459-B60219FAB484}" type="datetimeFigureOut">
               <a:rPr lang="ko-KR" altLang="en-US" smtClean="0"/>
-              <a:t>2019-11-08</a:t>
+              <a:t>2019-11-09</a:t>
             </a:fld>
             <a:endParaRPr lang="ko-KR" altLang="en-US"/>
           </a:p>
@@ -3437,7 +3438,7 @@
           <a:p>
             <a:fld id="{FB30EDBD-1C2D-4C1E-B459-B60219FAB484}" type="datetimeFigureOut">
               <a:rPr lang="ko-KR" altLang="en-US" smtClean="0"/>
-              <a:t>2019-11-08</a:t>
+              <a:t>2019-11-09</a:t>
             </a:fld>
             <a:endParaRPr lang="ko-KR" altLang="en-US"/>
           </a:p>
@@ -3798,7 +3799,7 @@
           <a:p>
             <a:fld id="{97669AF7-7BEB-44E4-9852-375E34362B5B}" type="datetime1">
               <a:rPr lang="en-US" smtClean="0"/>
-              <a:t>11/8/2019</a:t>
+              <a:t>11/9/2019</a:t>
             </a:fld>
             <a:endParaRPr lang="en-US" dirty="0"/>
           </a:p>
@@ -4053,7 +4054,7 @@
           <a:p>
             <a:fld id="{BAAAC38D-0552-4C82-B593-E6124DFADBE2}" type="datetime1">
               <a:rPr lang="en-US" smtClean="0"/>
-              <a:t>11/8/2019</a:t>
+              <a:t>11/9/2019</a:t>
             </a:fld>
             <a:endParaRPr lang="en-US" dirty="0"/>
           </a:p>
@@ -4450,7 +4451,7 @@
           <a:p>
             <a:fld id="{D9DF0F1C-5577-4ACB-BB62-DF8F3C494C7E}" type="datetime1">
               <a:rPr lang="en-US" smtClean="0"/>
-              <a:t>11/8/2019</a:t>
+              <a:t>11/9/2019</a:t>
             </a:fld>
             <a:endParaRPr lang="en-US" dirty="0"/>
           </a:p>
@@ -4586,7 +4587,7 @@
           <a:p>
             <a:fld id="{1775B394-D9F9-4F0C-B15D-605F45CB9E9F}" type="datetime1">
               <a:rPr lang="en-US" smtClean="0"/>
-              <a:t>11/8/2019</a:t>
+              <a:t>11/9/2019</a:t>
             </a:fld>
             <a:endParaRPr lang="en-US" dirty="0"/>
           </a:p>
@@ -4743,7 +4744,7 @@
           <a:p>
             <a:fld id="{39667345-2558-425A-8533-9BFDBCE15005}" type="datetime1">
               <a:rPr lang="en-US" smtClean="0"/>
-              <a:t>11/8/2019</a:t>
+              <a:t>11/9/2019</a:t>
             </a:fld>
             <a:endParaRPr lang="en-US" dirty="0"/>
           </a:p>
@@ -5072,7 +5073,7 @@
           <a:p>
             <a:fld id="{92BEA474-078D-4E9B-9B14-09A87B19DC46}" type="datetime1">
               <a:rPr lang="en-US" smtClean="0"/>
-              <a:t>11/8/2019</a:t>
+              <a:t>11/9/2019</a:t>
             </a:fld>
             <a:endParaRPr lang="en-US" dirty="0"/>
           </a:p>
@@ -5422,7 +5423,7 @@
           <a:p>
             <a:fld id="{4907D986-8816-4272-A432-0437A28A9828}" type="datetime1">
               <a:rPr lang="en-US" smtClean="0"/>
-              <a:t>11/8/2019</a:t>
+              <a:t>11/9/2019</a:t>
             </a:fld>
             <a:endParaRPr lang="en-US" dirty="0"/>
           </a:p>
@@ -5683,7 +5684,7 @@
           <a:p>
             <a:fld id="{62D6E202-B606-4609-B914-27C9371A1F6D}" type="datetime1">
               <a:rPr lang="en-US" smtClean="0"/>
-              <a:t>11/8/2019</a:t>
+              <a:t>11/9/2019</a:t>
             </a:fld>
             <a:endParaRPr lang="en-US" dirty="0"/>
           </a:p>
@@ -6339,7 +6340,7 @@
           <a:p>
             <a:fld id="{FB30EDBD-1C2D-4C1E-B459-B60219FAB484}" type="datetimeFigureOut">
               <a:rPr lang="ko-KR" altLang="en-US" smtClean="0"/>
-              <a:t>2019-11-08</a:t>
+              <a:t>2019-11-09</a:t>
             </a:fld>
             <a:endParaRPr lang="ko-KR" altLang="en-US"/>
           </a:p>
@@ -6834,6 +6835,7 @@
           </a:bodyPr>
           <a:lstStyle/>
           <a:p>
+            <a:pPr algn="ctr"/>
             <a:r>
               <a:rPr lang="ko-KR" altLang="en-US" sz="5400" dirty="0">
                 <a:solidFill>
@@ -6982,6 +6984,135 @@
 </p:sld>
 </file>
 
+<file path=ppt/slides/slide10.xml><?xml version="1.0" encoding="utf-8"?>
+<p:sld xmlns:a="http://schemas.openxmlformats.org/drawingml/2006/main" xmlns:r="http://schemas.openxmlformats.org/officeDocument/2006/relationships" xmlns:p="http://schemas.openxmlformats.org/presentationml/2006/main">
+  <p:cSld>
+    <p:bg>
+      <p:bgPr>
+        <a:solidFill>
+          <a:srgbClr val="366C5B"/>
+        </a:solidFill>
+        <a:effectLst/>
+      </p:bgPr>
+    </p:bg>
+    <p:spTree>
+      <p:nvGrpSpPr>
+        <p:cNvPr id="1" name=""/>
+        <p:cNvGrpSpPr/>
+        <p:nvPr/>
+      </p:nvGrpSpPr>
+      <p:grpSpPr>
+        <a:xfrm>
+          <a:off x="0" y="0"/>
+          <a:ext cx="0" cy="0"/>
+          <a:chOff x="0" y="0"/>
+          <a:chExt cx="0" cy="0"/>
+        </a:xfrm>
+      </p:grpSpPr>
+      <p:sp>
+        <p:nvSpPr>
+          <p:cNvPr id="4" name="TextBox 3"/>
+          <p:cNvSpPr txBox="1"/>
+          <p:nvPr/>
+        </p:nvSpPr>
+        <p:spPr>
+          <a:xfrm>
+            <a:off x="3839750" y="1988840"/>
+            <a:ext cx="4512501" cy="1569660"/>
+          </a:xfrm>
+          <a:prstGeom prst="rect">
+            <a:avLst/>
+          </a:prstGeom>
+          <a:noFill/>
+        </p:spPr>
+        <p:txBody>
+          <a:bodyPr wrap="square" rtlCol="0">
+            <a:spAutoFit/>
+          </a:bodyPr>
+          <a:lstStyle/>
+          <a:p>
+            <a:pPr algn="ctr" defTabSz="1219170"/>
+            <a:r>
+              <a:rPr lang="en-US" altLang="ko-KR" sz="9600" spc="-400" dirty="0">
+                <a:solidFill>
+                  <a:prstClr val="white"/>
+                </a:solidFill>
+                <a:latin typeface="한컴 윤고딕 230" pitchFamily="18" charset="-127"/>
+                <a:ea typeface="한컴 윤고딕 230" pitchFamily="18" charset="-127"/>
+              </a:rPr>
+              <a:t>The</a:t>
+            </a:r>
+            <a:r>
+              <a:rPr lang="ko-KR" altLang="en-US" sz="9600" spc="-400" dirty="0">
+                <a:solidFill>
+                  <a:prstClr val="white"/>
+                </a:solidFill>
+                <a:latin typeface="한컴 윤고딕 230" pitchFamily="18" charset="-127"/>
+                <a:ea typeface="한컴 윤고딕 230" pitchFamily="18" charset="-127"/>
+              </a:rPr>
+              <a:t> </a:t>
+            </a:r>
+            <a:r>
+              <a:rPr lang="en-US" altLang="ko-KR" sz="9600" spc="-400" dirty="0">
+                <a:solidFill>
+                  <a:prstClr val="white"/>
+                </a:solidFill>
+                <a:latin typeface="한컴 윤고딕 230" pitchFamily="18" charset="-127"/>
+                <a:ea typeface="한컴 윤고딕 230" pitchFamily="18" charset="-127"/>
+              </a:rPr>
+              <a:t>End</a:t>
+            </a:r>
+          </a:p>
+        </p:txBody>
+      </p:sp>
+      <p:cxnSp>
+        <p:nvCxnSpPr>
+          <p:cNvPr id="6" name="직선 연결선 5"/>
+          <p:cNvCxnSpPr/>
+          <p:nvPr/>
+        </p:nvCxnSpPr>
+        <p:spPr>
+          <a:xfrm>
+            <a:off x="4367808" y="3429000"/>
+            <a:ext cx="3504389" cy="0"/>
+          </a:xfrm>
+          <a:prstGeom prst="line">
+            <a:avLst/>
+          </a:prstGeom>
+          <a:ln>
+            <a:solidFill>
+              <a:schemeClr val="bg1"/>
+            </a:solidFill>
+          </a:ln>
+        </p:spPr>
+        <p:style>
+          <a:lnRef idx="1">
+            <a:schemeClr val="accent1"/>
+          </a:lnRef>
+          <a:fillRef idx="0">
+            <a:schemeClr val="accent1"/>
+          </a:fillRef>
+          <a:effectRef idx="0">
+            <a:schemeClr val="accent1"/>
+          </a:effectRef>
+          <a:fontRef idx="minor">
+            <a:schemeClr val="tx1"/>
+          </a:fontRef>
+        </p:style>
+      </p:cxnSp>
+    </p:spTree>
+    <p:extLst>
+      <p:ext uri="{BB962C8B-B14F-4D97-AF65-F5344CB8AC3E}">
+        <p14:creationId xmlns:p14="http://schemas.microsoft.com/office/powerpoint/2010/main" val="448502650"/>
+      </p:ext>
+    </p:extLst>
+  </p:cSld>
+  <p:clrMapOvr>
+    <a:masterClrMapping/>
+  </p:clrMapOvr>
+</p:sld>
+</file>
+
 <file path=ppt/slides/slide2.xml><?xml version="1.0" encoding="utf-8"?>
 <p:sld xmlns:a="http://schemas.openxmlformats.org/drawingml/2006/main" xmlns:r="http://schemas.openxmlformats.org/officeDocument/2006/relationships" xmlns:p="http://schemas.openxmlformats.org/presentationml/2006/main">
   <p:cSld>
@@ -7059,7 +7190,7 @@
         </p:nvSpPr>
         <p:spPr>
           <a:xfrm>
-            <a:off x="1103445" y="355522"/>
+            <a:off x="605880" y="425184"/>
             <a:ext cx="2016224" cy="913007"/>
           </a:xfrm>
           <a:prstGeom prst="rect">
@@ -8083,7 +8214,7 @@
             <a:pPr defTabSz="1219170"/>
             <a:r>
               <a:rPr lang="ko-KR" altLang="en-US" sz="1600" dirty="0"/>
-              <a:t>각 데이터별 특징의 개수가 다르기 때문에</a:t>
+              <a:t>각 연도별 특징의 개수가 다르기 때문에</a:t>
             </a:r>
             <a:endParaRPr lang="en-US" altLang="ko-KR" sz="1600" dirty="0"/>
           </a:p>
@@ -8488,33 +8619,7 @@
                 <a:latin typeface="한컴 윤고딕 240" pitchFamily="18" charset="-127"/>
                 <a:ea typeface="한컴 윤고딕 240" pitchFamily="18" charset="-127"/>
               </a:rPr>
-              <a:t>특정한 </a:t>
-            </a:r>
-            <a:r>
-              <a:rPr lang="ko-KR" altLang="en-US" sz="2000" b="1" spc="-200">
-                <a:solidFill>
-                  <a:prstClr val="black">
-                    <a:lumMod val="75000"/>
-                    <a:lumOff val="25000"/>
-                  </a:prstClr>
-                </a:solidFill>
-                <a:latin typeface="한컴 윤고딕 240" pitchFamily="18" charset="-127"/>
-                <a:ea typeface="한컴 윤고딕 240" pitchFamily="18" charset="-127"/>
-              </a:rPr>
-              <a:t>때에 사망사고가 </a:t>
-            </a:r>
-            <a:r>
-              <a:rPr lang="ko-KR" altLang="en-US" sz="2000" b="1" spc="-200" dirty="0">
-                <a:solidFill>
-                  <a:prstClr val="black">
-                    <a:lumMod val="75000"/>
-                    <a:lumOff val="25000"/>
-                  </a:prstClr>
-                </a:solidFill>
-                <a:latin typeface="한컴 윤고딕 240" pitchFamily="18" charset="-127"/>
-                <a:ea typeface="한컴 윤고딕 240" pitchFamily="18" charset="-127"/>
-              </a:rPr>
-              <a:t>많이 일어날 것이다</a:t>
+              <a:t>특정한 때에 사망사고가 많이 일어날 것이다</a:t>
             </a:r>
             <a:r>
               <a:rPr lang="en-US" altLang="ko-KR" sz="2000" b="1" spc="-200" dirty="0">
@@ -8561,7 +8666,7 @@
               <a:t>- </a:t>
             </a:r>
             <a:r>
-              <a:rPr lang="ko-KR" altLang="en-US" sz="1867" spc="-200" dirty="0" err="1">
+              <a:rPr lang="ko-KR" altLang="en-US" sz="1867" spc="-200" dirty="0">
                 <a:solidFill>
                   <a:prstClr val="black">
                     <a:lumMod val="75000"/>
@@ -8571,20 +8676,7 @@
                 <a:latin typeface="한컴 윤고딕 240" pitchFamily="18" charset="-127"/>
                 <a:ea typeface="한컴 윤고딕 240" pitchFamily="18" charset="-127"/>
               </a:rPr>
-              <a:t>달별</a:t>
-            </a:r>
-            <a:r>
-              <a:rPr lang="ko-KR" altLang="en-US" sz="1867" spc="-200" dirty="0">
-                <a:solidFill>
-                  <a:prstClr val="black">
-                    <a:lumMod val="75000"/>
-                    <a:lumOff val="25000"/>
-                  </a:prstClr>
-                </a:solidFill>
-                <a:latin typeface="한컴 윤고딕 240" pitchFamily="18" charset="-127"/>
-                <a:ea typeface="한컴 윤고딕 240" pitchFamily="18" charset="-127"/>
-              </a:rPr>
-              <a:t> 사망사고 횟수 및 사망자 수 확인</a:t>
+              <a:t>달 별 사망사고 횟수 및 사망자 수 확인</a:t>
             </a:r>
           </a:p>
         </p:txBody>
@@ -8650,7 +8742,7 @@
           </a:bodyPr>
           <a:lstStyle/>
           <a:p>
-            <a:pPr defTabSz="1219170"/>
+            <a:pPr algn="ctr" defTabSz="1219170"/>
             <a:r>
               <a:rPr lang="ko-KR" altLang="en-US" sz="1867" spc="-200" dirty="0">
                 <a:solidFill>
@@ -8835,7 +8927,7 @@
             </a:r>
           </a:p>
           <a:p>
-            <a:pPr defTabSz="1219170"/>
+            <a:pPr algn="ctr" defTabSz="1219170"/>
             <a:r>
               <a:rPr lang="ko-KR" altLang="en-US" sz="1867" spc="-200" dirty="0">
                 <a:solidFill>
@@ -8847,7 +8939,7 @@
                 <a:latin typeface="한컴 윤고딕 240" pitchFamily="18" charset="-127"/>
                 <a:ea typeface="한컴 윤고딕 240" pitchFamily="18" charset="-127"/>
               </a:rPr>
-              <a:t>사망자수 또한 사상자의 그래프와 비슷한 추세임을 볼 수 있다</a:t>
+              <a:t>사망자수의 그래프 또한 사상자의 그래프와 비슷한 추세임을 볼 수 있다</a:t>
             </a:r>
             <a:r>
               <a:rPr lang="en-US" altLang="ko-KR" sz="1867" spc="-200" dirty="0">
@@ -9995,8 +10087,8 @@
         </p:nvSpPr>
         <p:spPr>
           <a:xfrm>
-            <a:off x="7873374" y="3996932"/>
-            <a:ext cx="4318625" cy="923330"/>
+            <a:off x="7873375" y="4245361"/>
+            <a:ext cx="4318625" cy="1200329"/>
           </a:xfrm>
           <a:prstGeom prst="rect">
             <a:avLst/>
@@ -10013,55 +10105,107 @@
           </a:bodyPr>
           <a:lstStyle/>
           <a:p>
-            <a:pPr defTabSz="1219170"/>
-            <a:r>
-              <a:rPr lang="ko-KR" altLang="en-US" b="1" spc="-200" dirty="0">
-                <a:solidFill>
-                  <a:prstClr val="black">
-                    <a:lumMod val="75000"/>
-                    <a:lumOff val="25000"/>
-                  </a:prstClr>
-                </a:solidFill>
-                <a:latin typeface="돋움" panose="020B0600000101010101" pitchFamily="50" charset="-127"/>
+            <a:pPr algn="ctr" defTabSz="1219170"/>
+            <a:r>
+              <a:rPr lang="ko-KR" altLang="en-US" spc="-200" dirty="0">
+                <a:solidFill>
+                  <a:prstClr val="black">
+                    <a:lumMod val="75000"/>
+                    <a:lumOff val="25000"/>
+                  </a:prstClr>
+                </a:solidFill>
+                <a:latin typeface="한컴 윤고딕240"/>
                 <a:ea typeface="돋움" panose="020B0600000101010101" pitchFamily="50" charset="-127"/>
               </a:rPr>
-              <a:t>위의 날짜와 왼쪽의 그래프를 비교해보았을 때 휴일과 사망사고횟수는 </a:t>
-            </a:r>
-            <a:endParaRPr lang="en-US" altLang="ko-KR" b="1" spc="-200" dirty="0">
+              <a:t>각 연도의 휴일 날짜와</a:t>
+            </a:r>
+            <a:endParaRPr lang="en-US" altLang="ko-KR" spc="-200" dirty="0">
               <a:solidFill>
                 <a:prstClr val="black">
                   <a:lumMod val="75000"/>
                   <a:lumOff val="25000"/>
                 </a:prstClr>
               </a:solidFill>
-              <a:latin typeface="돋움" panose="020B0600000101010101" pitchFamily="50" charset="-127"/>
+              <a:latin typeface="한컴 윤고딕240"/>
               <a:ea typeface="돋움" panose="020B0600000101010101" pitchFamily="50" charset="-127"/>
             </a:endParaRPr>
           </a:p>
           <a:p>
-            <a:pPr defTabSz="1219170"/>
-            <a:r>
-              <a:rPr lang="ko-KR" altLang="en-US" b="1" spc="-200" dirty="0">
-                <a:solidFill>
-                  <a:prstClr val="black">
-                    <a:lumMod val="75000"/>
-                    <a:lumOff val="25000"/>
-                  </a:prstClr>
-                </a:solidFill>
-                <a:latin typeface="돋움" panose="020B0600000101010101" pitchFamily="50" charset="-127"/>
+            <a:pPr algn="ctr" defTabSz="1219170"/>
+            <a:r>
+              <a:rPr lang="ko-KR" altLang="en-US" spc="-200" dirty="0">
+                <a:solidFill>
+                  <a:prstClr val="black">
+                    <a:lumMod val="75000"/>
+                    <a:lumOff val="25000"/>
+                  </a:prstClr>
+                </a:solidFill>
+                <a:latin typeface="한컴 윤고딕240"/>
                 <a:ea typeface="돋움" panose="020B0600000101010101" pitchFamily="50" charset="-127"/>
               </a:rPr>
-              <a:t>크게 상관이 없다는 것을 알 수 있다</a:t>
-            </a:r>
-            <a:r>
-              <a:rPr lang="en-US" altLang="ko-KR" b="1" spc="-200" dirty="0">
-                <a:solidFill>
-                  <a:prstClr val="black">
-                    <a:lumMod val="75000"/>
-                    <a:lumOff val="25000"/>
-                  </a:prstClr>
-                </a:solidFill>
-                <a:latin typeface="돋움" panose="020B0600000101010101" pitchFamily="50" charset="-127"/>
+              <a:t> 왼쪽의 그래프를 비교해보았을 때 </a:t>
+            </a:r>
+            <a:endParaRPr lang="en-US" altLang="ko-KR" spc="-200" dirty="0">
+              <a:solidFill>
+                <a:prstClr val="black">
+                  <a:lumMod val="75000"/>
+                  <a:lumOff val="25000"/>
+                </a:prstClr>
+              </a:solidFill>
+              <a:latin typeface="한컴 윤고딕240"/>
+              <a:ea typeface="돋움" panose="020B0600000101010101" pitchFamily="50" charset="-127"/>
+            </a:endParaRPr>
+          </a:p>
+          <a:p>
+            <a:pPr algn="ctr" defTabSz="1219170"/>
+            <a:r>
+              <a:rPr lang="ko-KR" altLang="en-US" spc="-200" dirty="0">
+                <a:solidFill>
+                  <a:prstClr val="black">
+                    <a:lumMod val="75000"/>
+                    <a:lumOff val="25000"/>
+                  </a:prstClr>
+                </a:solidFill>
+                <a:latin typeface="한컴 윤고딕240"/>
+                <a:ea typeface="돋움" panose="020B0600000101010101" pitchFamily="50" charset="-127"/>
+              </a:rPr>
+              <a:t>휴일과 사망사고횟수는 </a:t>
+            </a:r>
+            <a:endParaRPr lang="en-US" altLang="ko-KR" spc="-200" dirty="0">
+              <a:solidFill>
+                <a:prstClr val="black">
+                  <a:lumMod val="75000"/>
+                  <a:lumOff val="25000"/>
+                </a:prstClr>
+              </a:solidFill>
+              <a:latin typeface="한컴 윤고딕240"/>
+              <a:ea typeface="돋움" panose="020B0600000101010101" pitchFamily="50" charset="-127"/>
+            </a:endParaRPr>
+          </a:p>
+          <a:p>
+            <a:pPr algn="ctr" defTabSz="1219170"/>
+            <a:r>
+              <a:rPr lang="ko-KR" altLang="en-US" spc="-200" dirty="0">
+                <a:solidFill>
+                  <a:prstClr val="black">
+                    <a:lumMod val="75000"/>
+                    <a:lumOff val="25000"/>
+                  </a:prstClr>
+                </a:solidFill>
+                <a:latin typeface="한컴 윤고딕240"/>
+                <a:ea typeface="돋움" panose="020B0600000101010101" pitchFamily="50" charset="-127"/>
+              </a:rPr>
+              <a:t>상관이 없다는 것을 알 수 있다</a:t>
+            </a:r>
+            <a:r>
+              <a:rPr lang="en-US" altLang="ko-KR" spc="-200" dirty="0">
+                <a:solidFill>
+                  <a:prstClr val="black">
+                    <a:lumMod val="75000"/>
+                    <a:lumOff val="25000"/>
+                  </a:prstClr>
+                </a:solidFill>
+                <a:latin typeface="한컴 윤고딕240"/>
                 <a:ea typeface="돋움" panose="020B0600000101010101" pitchFamily="50" charset="-127"/>
               </a:rPr>
               <a:t>.</a:t>
@@ -12030,8 +12174,8 @@
         </p:nvSpPr>
         <p:spPr>
           <a:xfrm>
-            <a:off x="5535707" y="2259105"/>
-            <a:ext cx="5441575" cy="1077218"/>
+            <a:off x="1242505" y="6519446"/>
+            <a:ext cx="3160058" cy="338554"/>
           </a:xfrm>
           <a:prstGeom prst="rect">
             <a:avLst/>
@@ -12066,7 +12210,7 @@
               <a:defRPr/>
             </a:pPr>
             <a:r>
-              <a:rPr kumimoji="0" lang="ko-KR" altLang="en-US" sz="1600" b="0" i="0" u="none" strike="noStrike" kern="1200" cap="none" spc="-200" normalizeH="0" baseline="0" noProof="0" dirty="0">
+              <a:rPr kumimoji="0" lang="ko-KR" altLang="en-US" sz="1600" b="1" i="0" u="none" strike="noStrike" kern="1200" cap="none" spc="-200" normalizeH="0" baseline="0" noProof="0" dirty="0">
                 <a:ln>
                   <a:noFill/>
                 </a:ln>
@@ -12083,26 +12227,150 @@
                 <a:ea typeface="돋움" panose="020B0600000101010101" pitchFamily="50" charset="-127"/>
                 <a:cs typeface="+mn-cs"/>
               </a:rPr>
-              <a:t>사망사고횟수가 많은 시간대별로 정렬</a:t>
-            </a:r>
-            <a:endParaRPr kumimoji="0" lang="en-US" altLang="ko-KR" sz="1600" b="0" i="0" u="none" strike="noStrike" kern="1200" cap="none" spc="-200" normalizeH="0" baseline="0" noProof="0" dirty="0">
-              <a:ln>
-                <a:noFill/>
-              </a:ln>
+              <a:t>각 도</a:t>
+            </a:r>
+            <a:r>
+              <a:rPr kumimoji="0" lang="en-US" altLang="ko-KR" sz="1600" b="1" i="0" u="none" strike="noStrike" kern="1200" cap="none" spc="-200" normalizeH="0" baseline="0" noProof="0" dirty="0">
+                <a:ln>
+                  <a:noFill/>
+                </a:ln>
+                <a:solidFill>
+                  <a:prstClr val="black">
+                    <a:lumMod val="75000"/>
+                    <a:lumOff val="25000"/>
+                  </a:prstClr>
+                </a:solidFill>
+                <a:effectLst/>
+                <a:uLnTx/>
+                <a:uFillTx/>
+                <a:latin typeface="돋움" panose="020B0600000101010101" pitchFamily="50" charset="-127"/>
+                <a:ea typeface="돋움" panose="020B0600000101010101" pitchFamily="50" charset="-127"/>
+                <a:cs typeface="+mn-cs"/>
+              </a:rPr>
+              <a:t>, </a:t>
+            </a:r>
+            <a:r>
+              <a:rPr kumimoji="0" lang="ko-KR" altLang="en-US" sz="1600" b="1" i="0" u="none" strike="noStrike" kern="1200" cap="none" spc="-200" normalizeH="0" baseline="0" noProof="0" dirty="0">
+                <a:ln>
+                  <a:noFill/>
+                </a:ln>
+                <a:solidFill>
+                  <a:prstClr val="black">
+                    <a:lumMod val="75000"/>
+                    <a:lumOff val="25000"/>
+                  </a:prstClr>
+                </a:solidFill>
+                <a:effectLst/>
+                <a:uLnTx/>
+                <a:uFillTx/>
+                <a:latin typeface="돋움" panose="020B0600000101010101" pitchFamily="50" charset="-127"/>
+                <a:ea typeface="돋움" panose="020B0600000101010101" pitchFamily="50" charset="-127"/>
+                <a:cs typeface="+mn-cs"/>
+              </a:rPr>
+              <a:t>특별시 별 사망사고발생 비율</a:t>
+            </a:r>
+            <a:endParaRPr lang="en-US" altLang="ko-KR" sz="1600" b="1" spc="-200" dirty="0">
               <a:solidFill>
                 <a:prstClr val="black">
                   <a:lumMod val="75000"/>
                   <a:lumOff val="25000"/>
                 </a:prstClr>
               </a:solidFill>
-              <a:effectLst/>
-              <a:uLnTx/>
-              <a:uFillTx/>
               <a:latin typeface="돋움" panose="020B0600000101010101" pitchFamily="50" charset="-127"/>
               <a:ea typeface="돋움" panose="020B0600000101010101" pitchFamily="50" charset="-127"/>
-              <a:cs typeface="+mn-cs"/>
             </a:endParaRPr>
           </a:p>
+        </p:txBody>
+      </p:sp>
+      <p:pic>
+        <p:nvPicPr>
+          <p:cNvPr id="3" name="그림 2">
+            <a:extLst>
+              <a:ext uri="{FF2B5EF4-FFF2-40B4-BE49-F238E27FC236}">
+                <a16:creationId xmlns:a16="http://schemas.microsoft.com/office/drawing/2014/main" id="{B4637441-D593-4019-81E7-8D8BFF1BD116}"/>
+              </a:ext>
+            </a:extLst>
+          </p:cNvPr>
+          <p:cNvPicPr>
+            <a:picLocks noChangeAspect="1"/>
+          </p:cNvPicPr>
+          <p:nvPr/>
+        </p:nvPicPr>
+        <p:blipFill rotWithShape="1">
+          <a:blip r:embed="rId2"/>
+          <a:srcRect l="661" t="17908" r="60295" b="12811"/>
+          <a:stretch/>
+        </p:blipFill>
+        <p:spPr>
+          <a:xfrm>
+            <a:off x="239350" y="1389366"/>
+            <a:ext cx="5166368" cy="5156639"/>
+          </a:xfrm>
+          <a:prstGeom prst="rect">
+            <a:avLst/>
+          </a:prstGeom>
+        </p:spPr>
+      </p:pic>
+      <p:pic>
+        <p:nvPicPr>
+          <p:cNvPr id="4" name="그림 3">
+            <a:extLst>
+              <a:ext uri="{FF2B5EF4-FFF2-40B4-BE49-F238E27FC236}">
+                <a16:creationId xmlns:a16="http://schemas.microsoft.com/office/drawing/2014/main" id="{C0F253A6-2AC3-4487-B4FD-4BE0224B3A3B}"/>
+              </a:ext>
+            </a:extLst>
+          </p:cNvPr>
+          <p:cNvPicPr>
+            <a:picLocks noChangeAspect="1"/>
+          </p:cNvPicPr>
+          <p:nvPr/>
+        </p:nvPicPr>
+        <p:blipFill rotWithShape="1">
+          <a:blip r:embed="rId3"/>
+          <a:srcRect l="588" t="17715" r="60368" b="12550"/>
+          <a:stretch/>
+        </p:blipFill>
+        <p:spPr>
+          <a:xfrm>
+            <a:off x="6849853" y="1389366"/>
+            <a:ext cx="5006787" cy="5030118"/>
+          </a:xfrm>
+          <a:prstGeom prst="rect">
+            <a:avLst/>
+          </a:prstGeom>
+        </p:spPr>
+      </p:pic>
+      <p:sp>
+        <p:nvSpPr>
+          <p:cNvPr id="11" name="TextBox 10">
+            <a:extLst>
+              <a:ext uri="{FF2B5EF4-FFF2-40B4-BE49-F238E27FC236}">
+                <a16:creationId xmlns:a16="http://schemas.microsoft.com/office/drawing/2014/main" id="{AD8B64A7-E907-486E-91D5-E6217FC4E6CC}"/>
+              </a:ext>
+            </a:extLst>
+          </p:cNvPr>
+          <p:cNvSpPr txBox="1"/>
+          <p:nvPr/>
+        </p:nvSpPr>
+        <p:spPr>
+          <a:xfrm>
+            <a:off x="8224101" y="6481040"/>
+            <a:ext cx="2258289" cy="338554"/>
+          </a:xfrm>
+          <a:prstGeom prst="rect">
+            <a:avLst/>
+          </a:prstGeom>
+          <a:noFill/>
+          <a:scene3d>
+            <a:camera prst="obliqueTopLeft"/>
+            <a:lightRig rig="threePt" dir="t"/>
+          </a:scene3d>
+        </p:spPr>
+        <p:txBody>
+          <a:bodyPr wrap="square" rtlCol="0">
+            <a:spAutoFit/>
+          </a:bodyPr>
+          <a:lstStyle/>
           <a:p>
             <a:pPr marL="0" marR="0" lvl="0" indent="0" algn="l" defTabSz="1219170" rtl="0" eaLnBrk="1" fontAlgn="auto" latinLnBrk="1" hangingPunct="1">
               <a:lnSpc>
@@ -12121,7 +12389,67 @@
               <a:tabLst/>
               <a:defRPr/>
             </a:pPr>
-            <a:endParaRPr lang="en-US" altLang="ko-KR" sz="1600" spc="-200" dirty="0">
+            <a:r>
+              <a:rPr kumimoji="0" lang="ko-KR" altLang="en-US" sz="1600" b="1" i="0" u="none" strike="noStrike" kern="1200" cap="none" spc="-200" normalizeH="0" baseline="0" noProof="0" dirty="0">
+                <a:ln>
+                  <a:noFill/>
+                </a:ln>
+                <a:solidFill>
+                  <a:prstClr val="black">
+                    <a:lumMod val="75000"/>
+                    <a:lumOff val="25000"/>
+                  </a:prstClr>
+                </a:solidFill>
+                <a:effectLst/>
+                <a:uLnTx/>
+                <a:uFillTx/>
+                <a:latin typeface="돋움" panose="020B0600000101010101" pitchFamily="50" charset="-127"/>
+                <a:ea typeface="돋움" panose="020B0600000101010101" pitchFamily="50" charset="-127"/>
+                <a:cs typeface="+mn-cs"/>
+              </a:rPr>
+              <a:t>각 도</a:t>
+            </a:r>
+            <a:r>
+              <a:rPr kumimoji="0" lang="en-US" altLang="ko-KR" sz="1600" b="1" i="0" u="none" strike="noStrike" kern="1200" cap="none" spc="-200" normalizeH="0" baseline="0" noProof="0" dirty="0">
+                <a:ln>
+                  <a:noFill/>
+                </a:ln>
+                <a:solidFill>
+                  <a:prstClr val="black">
+                    <a:lumMod val="75000"/>
+                    <a:lumOff val="25000"/>
+                  </a:prstClr>
+                </a:solidFill>
+                <a:effectLst/>
+                <a:uLnTx/>
+                <a:uFillTx/>
+                <a:latin typeface="돋움" panose="020B0600000101010101" pitchFamily="50" charset="-127"/>
+                <a:ea typeface="돋움" panose="020B0600000101010101" pitchFamily="50" charset="-127"/>
+                <a:cs typeface="+mn-cs"/>
+              </a:rPr>
+              <a:t>, </a:t>
+            </a:r>
+            <a:r>
+              <a:rPr kumimoji="0" lang="ko-KR" altLang="en-US" sz="1600" b="1" i="0" u="none" strike="noStrike" kern="1200" cap="none" spc="-200" normalizeH="0" baseline="0" noProof="0" dirty="0">
+                <a:ln>
+                  <a:noFill/>
+                </a:ln>
+                <a:solidFill>
+                  <a:prstClr val="black">
+                    <a:lumMod val="75000"/>
+                    <a:lumOff val="25000"/>
+                  </a:prstClr>
+                </a:solidFill>
+                <a:effectLst/>
+                <a:uLnTx/>
+                <a:uFillTx/>
+                <a:latin typeface="돋움" panose="020B0600000101010101" pitchFamily="50" charset="-127"/>
+                <a:ea typeface="돋움" panose="020B0600000101010101" pitchFamily="50" charset="-127"/>
+                <a:cs typeface="+mn-cs"/>
+              </a:rPr>
+              <a:t>특별시 별 인구 비율</a:t>
+            </a:r>
+            <a:endParaRPr lang="en-US" altLang="ko-KR" sz="1600" b="1" spc="-200" dirty="0">
               <a:solidFill>
                 <a:prstClr val="black">
                   <a:lumMod val="75000"/>
@@ -12131,424 +12459,6 @@
               <a:latin typeface="돋움" panose="020B0600000101010101" pitchFamily="50" charset="-127"/>
               <a:ea typeface="돋움" panose="020B0600000101010101" pitchFamily="50" charset="-127"/>
             </a:endParaRPr>
-          </a:p>
-          <a:p>
-            <a:pPr marL="0" marR="0" lvl="0" indent="0" algn="l" defTabSz="1219170" rtl="0" eaLnBrk="1" fontAlgn="auto" latinLnBrk="1" hangingPunct="1">
-              <a:lnSpc>
-                <a:spcPct val="100000"/>
-              </a:lnSpc>
-              <a:spcBef>
-                <a:spcPts val="0"/>
-              </a:spcBef>
-              <a:spcAft>
-                <a:spcPts val="0"/>
-              </a:spcAft>
-              <a:buClrTx/>
-              <a:buSzTx/>
-              <a:buFontTx/>
-              <a:buNone/>
-              <a:tabLst/>
-              <a:defRPr/>
-            </a:pPr>
-            <a:r>
-              <a:rPr kumimoji="0" lang="en-US" altLang="ko-KR" sz="1600" b="0" i="0" u="none" strike="noStrike" kern="1200" cap="none" spc="-200" normalizeH="0" baseline="0" noProof="0" dirty="0">
-                <a:ln>
-                  <a:noFill/>
-                </a:ln>
-                <a:solidFill>
-                  <a:prstClr val="black">
-                    <a:lumMod val="75000"/>
-                    <a:lumOff val="25000"/>
-                  </a:prstClr>
-                </a:solidFill>
-                <a:effectLst/>
-                <a:uLnTx/>
-                <a:uFillTx/>
-                <a:latin typeface="돋움" panose="020B0600000101010101" pitchFamily="50" charset="-127"/>
-                <a:ea typeface="돋움" panose="020B0600000101010101" pitchFamily="50" charset="-127"/>
-                <a:cs typeface="+mn-cs"/>
-              </a:rPr>
-              <a:t>17-21</a:t>
-            </a:r>
-            <a:r>
-              <a:rPr kumimoji="0" lang="ko-KR" altLang="en-US" sz="1600" b="0" i="0" u="none" strike="noStrike" kern="1200" cap="none" spc="-200" normalizeH="0" baseline="0" noProof="0" dirty="0">
-                <a:ln>
-                  <a:noFill/>
-                </a:ln>
-                <a:solidFill>
-                  <a:prstClr val="black">
-                    <a:lumMod val="75000"/>
-                    <a:lumOff val="25000"/>
-                  </a:prstClr>
-                </a:solidFill>
-                <a:effectLst/>
-                <a:uLnTx/>
-                <a:uFillTx/>
-                <a:latin typeface="돋움" panose="020B0600000101010101" pitchFamily="50" charset="-127"/>
-                <a:ea typeface="돋움" panose="020B0600000101010101" pitchFamily="50" charset="-127"/>
-                <a:cs typeface="+mn-cs"/>
-              </a:rPr>
-              <a:t>시에 가장 많고</a:t>
-            </a:r>
-            <a:endParaRPr kumimoji="0" lang="en-US" altLang="ko-KR" sz="1600" b="0" i="0" u="none" strike="noStrike" kern="1200" cap="none" spc="-200" normalizeH="0" baseline="0" noProof="0" dirty="0">
-              <a:ln>
-                <a:noFill/>
-              </a:ln>
-              <a:solidFill>
-                <a:prstClr val="black">
-                  <a:lumMod val="75000"/>
-                  <a:lumOff val="25000"/>
-                </a:prstClr>
-              </a:solidFill>
-              <a:effectLst/>
-              <a:uLnTx/>
-              <a:uFillTx/>
-              <a:latin typeface="돋움" panose="020B0600000101010101" pitchFamily="50" charset="-127"/>
-              <a:ea typeface="돋움" panose="020B0600000101010101" pitchFamily="50" charset="-127"/>
-              <a:cs typeface="+mn-cs"/>
-            </a:endParaRPr>
-          </a:p>
-          <a:p>
-            <a:pPr marL="0" marR="0" lvl="0" indent="0" algn="l" defTabSz="1219170" rtl="0" eaLnBrk="1" fontAlgn="auto" latinLnBrk="1" hangingPunct="1">
-              <a:lnSpc>
-                <a:spcPct val="100000"/>
-              </a:lnSpc>
-              <a:spcBef>
-                <a:spcPts val="0"/>
-              </a:spcBef>
-              <a:spcAft>
-                <a:spcPts val="0"/>
-              </a:spcAft>
-              <a:buClrTx/>
-              <a:buSzTx/>
-              <a:buFontTx/>
-              <a:buNone/>
-              <a:tabLst/>
-              <a:defRPr/>
-            </a:pPr>
-            <a:r>
-              <a:rPr lang="en-US" altLang="ko-KR" sz="1600" spc="-200" dirty="0">
-                <a:solidFill>
-                  <a:prstClr val="black">
-                    <a:lumMod val="75000"/>
-                    <a:lumOff val="25000"/>
-                  </a:prstClr>
-                </a:solidFill>
-                <a:latin typeface="돋움" panose="020B0600000101010101" pitchFamily="50" charset="-127"/>
-                <a:ea typeface="돋움" panose="020B0600000101010101" pitchFamily="50" charset="-127"/>
-              </a:rPr>
-              <a:t>0- 4</a:t>
-            </a:r>
-            <a:r>
-              <a:rPr lang="ko-KR" altLang="en-US" sz="1600" spc="-200" dirty="0">
-                <a:solidFill>
-                  <a:prstClr val="black">
-                    <a:lumMod val="75000"/>
-                    <a:lumOff val="25000"/>
-                  </a:prstClr>
-                </a:solidFill>
-                <a:latin typeface="돋움" panose="020B0600000101010101" pitchFamily="50" charset="-127"/>
-                <a:ea typeface="돋움" panose="020B0600000101010101" pitchFamily="50" charset="-127"/>
-              </a:rPr>
-              <a:t>시에 가장 적음을 알 수 있다</a:t>
-            </a:r>
-            <a:r>
-              <a:rPr lang="en-US" altLang="ko-KR" sz="1600" spc="-200" dirty="0">
-                <a:solidFill>
-                  <a:prstClr val="black">
-                    <a:lumMod val="75000"/>
-                    <a:lumOff val="25000"/>
-                  </a:prstClr>
-                </a:solidFill>
-                <a:latin typeface="돋움" panose="020B0600000101010101" pitchFamily="50" charset="-127"/>
-                <a:ea typeface="돋움" panose="020B0600000101010101" pitchFamily="50" charset="-127"/>
-              </a:rPr>
-              <a:t>.</a:t>
-            </a:r>
-          </a:p>
-        </p:txBody>
-      </p:sp>
-      <p:sp>
-        <p:nvSpPr>
-          <p:cNvPr id="22" name="TextBox 21">
-            <a:extLst>
-              <a:ext uri="{FF2B5EF4-FFF2-40B4-BE49-F238E27FC236}">
-                <a16:creationId xmlns:a16="http://schemas.microsoft.com/office/drawing/2014/main" id="{6D929D4F-C6E4-46CA-A00C-D95CE02C54C8}"/>
-              </a:ext>
-            </a:extLst>
-          </p:cNvPr>
-          <p:cNvSpPr txBox="1"/>
-          <p:nvPr/>
-        </p:nvSpPr>
-        <p:spPr>
-          <a:xfrm>
-            <a:off x="5535707" y="3930586"/>
-            <a:ext cx="6098371" cy="923330"/>
-          </a:xfrm>
-          <a:prstGeom prst="rect">
-            <a:avLst/>
-          </a:prstGeom>
-          <a:noFill/>
-          <a:scene3d>
-            <a:camera prst="obliqueTopLeft"/>
-            <a:lightRig rig="threePt" dir="t"/>
-          </a:scene3d>
-        </p:spPr>
-        <p:txBody>
-          <a:bodyPr wrap="square" rtlCol="0">
-            <a:spAutoFit/>
-          </a:bodyPr>
-          <a:lstStyle/>
-          <a:p>
-            <a:pPr marL="0" marR="0" lvl="0" indent="0" algn="l" defTabSz="1219170" rtl="0" eaLnBrk="1" fontAlgn="auto" latinLnBrk="1" hangingPunct="1">
-              <a:lnSpc>
-                <a:spcPct val="100000"/>
-              </a:lnSpc>
-              <a:spcBef>
-                <a:spcPts val="0"/>
-              </a:spcBef>
-              <a:spcAft>
-                <a:spcPts val="0"/>
-              </a:spcAft>
-              <a:buClrTx/>
-              <a:buSzTx/>
-              <a:buFontTx/>
-              <a:buNone/>
-              <a:tabLst/>
-              <a:defRPr/>
-            </a:pPr>
-            <a:r>
-              <a:rPr kumimoji="0" lang="ko-KR" altLang="en-US" b="1" i="0" u="none" strike="noStrike" kern="1200" cap="none" spc="-200" normalizeH="0" baseline="0" noProof="0" dirty="0">
-                <a:ln>
-                  <a:noFill/>
-                </a:ln>
-                <a:solidFill>
-                  <a:prstClr val="black">
-                    <a:lumMod val="75000"/>
-                    <a:lumOff val="25000"/>
-                  </a:prstClr>
-                </a:solidFill>
-                <a:effectLst/>
-                <a:uLnTx/>
-                <a:uFillTx/>
-                <a:latin typeface="돋움" panose="020B0600000101010101" pitchFamily="50" charset="-127"/>
-                <a:ea typeface="돋움" panose="020B0600000101010101" pitchFamily="50" charset="-127"/>
-                <a:cs typeface="+mn-cs"/>
-              </a:rPr>
-              <a:t>출근 시간 에 사망사고가 많이 일어나지는 않지만</a:t>
-            </a:r>
-            <a:endParaRPr kumimoji="0" lang="en-US" altLang="ko-KR" b="1" i="0" u="none" strike="noStrike" kern="1200" cap="none" spc="-200" normalizeH="0" baseline="0" noProof="0" dirty="0">
-              <a:ln>
-                <a:noFill/>
-              </a:ln>
-              <a:solidFill>
-                <a:prstClr val="black">
-                  <a:lumMod val="75000"/>
-                  <a:lumOff val="25000"/>
-                </a:prstClr>
-              </a:solidFill>
-              <a:effectLst/>
-              <a:uLnTx/>
-              <a:uFillTx/>
-              <a:latin typeface="돋움" panose="020B0600000101010101" pitchFamily="50" charset="-127"/>
-              <a:ea typeface="돋움" panose="020B0600000101010101" pitchFamily="50" charset="-127"/>
-              <a:cs typeface="+mn-cs"/>
-            </a:endParaRPr>
-          </a:p>
-          <a:p>
-            <a:pPr marL="0" marR="0" lvl="0" indent="0" algn="l" defTabSz="1219170" rtl="0" eaLnBrk="1" fontAlgn="auto" latinLnBrk="1" hangingPunct="1">
-              <a:lnSpc>
-                <a:spcPct val="100000"/>
-              </a:lnSpc>
-              <a:spcBef>
-                <a:spcPts val="0"/>
-              </a:spcBef>
-              <a:spcAft>
-                <a:spcPts val="0"/>
-              </a:spcAft>
-              <a:buClrTx/>
-              <a:buSzTx/>
-              <a:buFontTx/>
-              <a:buNone/>
-              <a:tabLst/>
-              <a:defRPr/>
-            </a:pPr>
-            <a:r>
-              <a:rPr kumimoji="0" lang="ko-KR" altLang="en-US" b="1" i="0" u="none" strike="noStrike" kern="1200" cap="none" spc="-200" normalizeH="0" baseline="0" noProof="0" dirty="0">
-                <a:ln>
-                  <a:noFill/>
-                </a:ln>
-                <a:solidFill>
-                  <a:prstClr val="black">
-                    <a:lumMod val="75000"/>
-                    <a:lumOff val="25000"/>
-                  </a:prstClr>
-                </a:solidFill>
-                <a:effectLst/>
-                <a:uLnTx/>
-                <a:uFillTx/>
-                <a:latin typeface="돋움" panose="020B0600000101010101" pitchFamily="50" charset="-127"/>
-                <a:ea typeface="돋움" panose="020B0600000101010101" pitchFamily="50" charset="-127"/>
-                <a:cs typeface="+mn-cs"/>
-              </a:rPr>
-              <a:t>퇴근 시간인 </a:t>
-            </a:r>
-            <a:r>
-              <a:rPr kumimoji="0" lang="en-US" altLang="ko-KR" b="1" i="0" u="none" strike="noStrike" kern="1200" cap="none" spc="-200" normalizeH="0" baseline="0" noProof="0" dirty="0">
-                <a:ln>
-                  <a:noFill/>
-                </a:ln>
-                <a:solidFill>
-                  <a:prstClr val="black">
-                    <a:lumMod val="75000"/>
-                    <a:lumOff val="25000"/>
-                  </a:prstClr>
-                </a:solidFill>
-                <a:effectLst/>
-                <a:uLnTx/>
-                <a:uFillTx/>
-                <a:latin typeface="돋움" panose="020B0600000101010101" pitchFamily="50" charset="-127"/>
-                <a:ea typeface="돋움" panose="020B0600000101010101" pitchFamily="50" charset="-127"/>
-                <a:cs typeface="+mn-cs"/>
-              </a:rPr>
-              <a:t>18-20</a:t>
-            </a:r>
-            <a:r>
-              <a:rPr kumimoji="0" lang="ko-KR" altLang="en-US" b="1" i="0" u="none" strike="noStrike" kern="1200" cap="none" spc="-200" normalizeH="0" baseline="0" noProof="0" dirty="0">
-                <a:ln>
-                  <a:noFill/>
-                </a:ln>
-                <a:solidFill>
-                  <a:prstClr val="black">
-                    <a:lumMod val="75000"/>
-                    <a:lumOff val="25000"/>
-                  </a:prstClr>
-                </a:solidFill>
-                <a:effectLst/>
-                <a:uLnTx/>
-                <a:uFillTx/>
-                <a:latin typeface="돋움" panose="020B0600000101010101" pitchFamily="50" charset="-127"/>
-                <a:ea typeface="돋움" panose="020B0600000101010101" pitchFamily="50" charset="-127"/>
-                <a:cs typeface="+mn-cs"/>
-              </a:rPr>
-              <a:t>시에는 사망사고가 </a:t>
-            </a:r>
-            <a:endParaRPr kumimoji="0" lang="en-US" altLang="ko-KR" b="1" i="0" u="none" strike="noStrike" kern="1200" cap="none" spc="-200" normalizeH="0" baseline="0" noProof="0" dirty="0">
-              <a:ln>
-                <a:noFill/>
-              </a:ln>
-              <a:solidFill>
-                <a:prstClr val="black">
-                  <a:lumMod val="75000"/>
-                  <a:lumOff val="25000"/>
-                </a:prstClr>
-              </a:solidFill>
-              <a:effectLst/>
-              <a:uLnTx/>
-              <a:uFillTx/>
-              <a:latin typeface="돋움" panose="020B0600000101010101" pitchFamily="50" charset="-127"/>
-              <a:ea typeface="돋움" panose="020B0600000101010101" pitchFamily="50" charset="-127"/>
-              <a:cs typeface="+mn-cs"/>
-            </a:endParaRPr>
-          </a:p>
-          <a:p>
-            <a:pPr marL="0" marR="0" lvl="0" indent="0" algn="l" defTabSz="1219170" rtl="0" eaLnBrk="1" fontAlgn="auto" latinLnBrk="1" hangingPunct="1">
-              <a:lnSpc>
-                <a:spcPct val="100000"/>
-              </a:lnSpc>
-              <a:spcBef>
-                <a:spcPts val="0"/>
-              </a:spcBef>
-              <a:spcAft>
-                <a:spcPts val="0"/>
-              </a:spcAft>
-              <a:buClrTx/>
-              <a:buSzTx/>
-              <a:buFontTx/>
-              <a:buNone/>
-              <a:tabLst/>
-              <a:defRPr/>
-            </a:pPr>
-            <a:r>
-              <a:rPr kumimoji="0" lang="ko-KR" altLang="en-US" b="1" i="0" u="none" strike="noStrike" kern="1200" cap="none" spc="-200" normalizeH="0" baseline="0" noProof="0" dirty="0">
-                <a:ln>
-                  <a:noFill/>
-                </a:ln>
-                <a:solidFill>
-                  <a:prstClr val="black">
-                    <a:lumMod val="75000"/>
-                    <a:lumOff val="25000"/>
-                  </a:prstClr>
-                </a:solidFill>
-                <a:effectLst/>
-                <a:uLnTx/>
-                <a:uFillTx/>
-                <a:latin typeface="돋움" panose="020B0600000101010101" pitchFamily="50" charset="-127"/>
-                <a:ea typeface="돋움" panose="020B0600000101010101" pitchFamily="50" charset="-127"/>
-                <a:cs typeface="+mn-cs"/>
-              </a:rPr>
-              <a:t>다른 시간대에 비해 많이 </a:t>
-            </a:r>
-            <a:r>
-              <a:rPr kumimoji="0" lang="ko-KR" altLang="en-US" b="1" i="0" u="none" strike="noStrike" kern="1200" cap="none" spc="-200" normalizeH="0" baseline="0" noProof="0" dirty="0" err="1">
-                <a:ln>
-                  <a:noFill/>
-                </a:ln>
-                <a:solidFill>
-                  <a:prstClr val="black">
-                    <a:lumMod val="75000"/>
-                    <a:lumOff val="25000"/>
-                  </a:prstClr>
-                </a:solidFill>
-                <a:effectLst/>
-                <a:uLnTx/>
-                <a:uFillTx/>
-                <a:latin typeface="돋움" panose="020B0600000101010101" pitchFamily="50" charset="-127"/>
-                <a:ea typeface="돋움" panose="020B0600000101010101" pitchFamily="50" charset="-127"/>
-                <a:cs typeface="+mn-cs"/>
-              </a:rPr>
-              <a:t>일어나는것을</a:t>
-            </a:r>
-            <a:r>
-              <a:rPr kumimoji="0" lang="ko-KR" altLang="en-US" b="1" i="0" u="none" strike="noStrike" kern="1200" cap="none" spc="-200" normalizeH="0" baseline="0" noProof="0" dirty="0">
-                <a:ln>
-                  <a:noFill/>
-                </a:ln>
-                <a:solidFill>
-                  <a:prstClr val="black">
-                    <a:lumMod val="75000"/>
-                    <a:lumOff val="25000"/>
-                  </a:prstClr>
-                </a:solidFill>
-                <a:effectLst/>
-                <a:uLnTx/>
-                <a:uFillTx/>
-                <a:latin typeface="돋움" panose="020B0600000101010101" pitchFamily="50" charset="-127"/>
-                <a:ea typeface="돋움" panose="020B0600000101010101" pitchFamily="50" charset="-127"/>
-                <a:cs typeface="+mn-cs"/>
-              </a:rPr>
-              <a:t> 볼 수 있다</a:t>
-            </a:r>
-            <a:r>
-              <a:rPr kumimoji="0" lang="en-US" altLang="ko-KR" b="1" i="0" u="none" strike="noStrike" kern="1200" cap="none" spc="-200" normalizeH="0" baseline="0" noProof="0" dirty="0">
-                <a:ln>
-                  <a:noFill/>
-                </a:ln>
-                <a:solidFill>
-                  <a:prstClr val="black">
-                    <a:lumMod val="75000"/>
-                    <a:lumOff val="25000"/>
-                  </a:prstClr>
-                </a:solidFill>
-                <a:effectLst/>
-                <a:uLnTx/>
-                <a:uFillTx/>
-                <a:latin typeface="돋움" panose="020B0600000101010101" pitchFamily="50" charset="-127"/>
-                <a:ea typeface="돋움" panose="020B0600000101010101" pitchFamily="50" charset="-127"/>
-                <a:cs typeface="+mn-cs"/>
-              </a:rPr>
-              <a:t>.</a:t>
-            </a:r>
           </a:p>
         </p:txBody>
       </p:sp>
@@ -12568,14 +12478,6 @@
 <file path=ppt/slides/slide9.xml><?xml version="1.0" encoding="utf-8"?>
 <p:sld xmlns:a="http://schemas.openxmlformats.org/drawingml/2006/main" xmlns:r="http://schemas.openxmlformats.org/officeDocument/2006/relationships" xmlns:p="http://schemas.openxmlformats.org/presentationml/2006/main">
   <p:cSld>
-    <p:bg>
-      <p:bgPr>
-        <a:solidFill>
-          <a:srgbClr val="366C5B"/>
-        </a:solidFill>
-        <a:effectLst/>
-      </p:bgPr>
-    </p:bg>
     <p:spTree>
       <p:nvGrpSpPr>
         <p:cNvPr id="1" name=""/>
@@ -12592,65 +12494,118 @@
       </p:grpSpPr>
       <p:sp>
         <p:nvSpPr>
-          <p:cNvPr id="4" name="TextBox 3"/>
-          <p:cNvSpPr txBox="1"/>
+          <p:cNvPr id="5" name="Rectangle 2"/>
+          <p:cNvSpPr>
+            <a:spLocks noChangeArrowheads="1"/>
+          </p:cNvSpPr>
           <p:nvPr/>
         </p:nvSpPr>
-        <p:spPr>
+        <p:spPr bwMode="auto">
           <a:xfrm>
-            <a:off x="3839750" y="1988840"/>
-            <a:ext cx="4512501" cy="1569660"/>
+            <a:off x="1" y="58580"/>
+            <a:ext cx="246286" cy="492443"/>
           </a:xfrm>
           <a:prstGeom prst="rect">
             <a:avLst/>
           </a:prstGeom>
           <a:noFill/>
+          <a:ln>
+            <a:noFill/>
+          </a:ln>
+          <a:effectLst/>
+          <a:extLst>
+            <a:ext uri="{909E8E84-426E-40DD-AFC4-6F175D3DCCD1}">
+              <a14:hiddenFill xmlns:a14="http://schemas.microsoft.com/office/drawing/2010/main">
+                <a:solidFill>
+                  <a:schemeClr val="accent1"/>
+                </a:solidFill>
+              </a14:hiddenFill>
+            </a:ext>
+            <a:ext uri="{91240B29-F687-4F45-9708-019B960494DF}">
+              <a14:hiddenLine xmlns:a14="http://schemas.microsoft.com/office/drawing/2010/main" w="9525">
+                <a:solidFill>
+                  <a:schemeClr val="tx1"/>
+                </a:solidFill>
+                <a:miter lim="800000"/>
+                <a:headEnd/>
+                <a:tailEnd/>
+              </a14:hiddenLine>
+            </a:ext>
+            <a:ext uri="{AF507438-7753-43E0-B8FC-AC1667EBCBE1}">
+              <a14:hiddenEffects xmlns:a14="http://schemas.microsoft.com/office/drawing/2010/main">
+                <a:effectLst>
+                  <a:outerShdw dist="35921" dir="2700000" algn="ctr" rotWithShape="0">
+                    <a:schemeClr val="bg2"/>
+                  </a:outerShdw>
+                </a:effectLst>
+              </a14:hiddenEffects>
+            </a:ext>
+          </a:extLst>
         </p:spPr>
         <p:txBody>
-          <a:bodyPr wrap="square" rtlCol="0">
+          <a:bodyPr vert="horz" wrap="none" lIns="121920" tIns="60960" rIns="121920" bIns="60960" numCol="1" anchor="ctr" anchorCtr="0" compatLnSpc="1">
+            <a:prstTxWarp prst="textNoShape">
+              <a:avLst/>
+            </a:prstTxWarp>
             <a:spAutoFit/>
           </a:bodyPr>
           <a:lstStyle/>
           <a:p>
-            <a:pPr algn="ctr" defTabSz="1219170"/>
-            <a:r>
-              <a:rPr lang="en-US" altLang="ko-KR" sz="9600" spc="-400" dirty="0" err="1">
-                <a:solidFill>
-                  <a:prstClr val="white"/>
-                </a:solidFill>
-                <a:latin typeface="한컴 윤고딕 230" pitchFamily="18" charset="-127"/>
-                <a:ea typeface="한컴 윤고딕 230" pitchFamily="18" charset="-127"/>
-              </a:rPr>
-              <a:t>QnA</a:t>
-            </a:r>
-            <a:endParaRPr lang="en-US" altLang="ko-KR" sz="9600" spc="-400" dirty="0">
+            <a:pPr marL="0" marR="0" lvl="0" indent="0" algn="l" defTabSz="1219170" rtl="0" eaLnBrk="1" fontAlgn="auto" latinLnBrk="1" hangingPunct="1">
+              <a:lnSpc>
+                <a:spcPct val="100000"/>
+              </a:lnSpc>
+              <a:spcBef>
+                <a:spcPts val="0"/>
+              </a:spcBef>
+              <a:spcAft>
+                <a:spcPts val="0"/>
+              </a:spcAft>
+              <a:buClrTx/>
+              <a:buSzTx/>
+              <a:buFontTx/>
+              <a:buNone/>
+              <a:tabLst/>
+              <a:defRPr/>
+            </a:pPr>
+            <a:endParaRPr kumimoji="0" lang="ko-KR" altLang="en-US" sz="2400" b="0" i="0" u="none" strike="noStrike" kern="1200" cap="none" spc="0" normalizeH="0" baseline="0" noProof="0">
+              <a:ln>
+                <a:noFill/>
+              </a:ln>
               <a:solidFill>
-                <a:prstClr val="white"/>
+                <a:prstClr val="black"/>
               </a:solidFill>
-              <a:latin typeface="한컴 윤고딕 230" pitchFamily="18" charset="-127"/>
-              <a:ea typeface="한컴 윤고딕 230" pitchFamily="18" charset="-127"/>
+              <a:effectLst/>
+              <a:uLnTx/>
+              <a:uFillTx/>
+              <a:latin typeface="맑은 고딕"/>
+              <a:ea typeface="맑은 고딕" panose="020B0503020000020004" pitchFamily="50" charset="-127"/>
+              <a:cs typeface="+mn-cs"/>
             </a:endParaRPr>
           </a:p>
         </p:txBody>
       </p:sp>
       <p:cxnSp>
         <p:nvCxnSpPr>
-          <p:cNvPr id="6" name="직선 연결선 5"/>
-          <p:cNvCxnSpPr/>
+          <p:cNvPr id="7" name="직선 연결선 6"/>
+          <p:cNvCxnSpPr>
+            <a:cxnSpLocks/>
+          </p:cNvCxnSpPr>
           <p:nvPr/>
         </p:nvCxnSpPr>
         <p:spPr>
           <a:xfrm>
-            <a:off x="4367808" y="3429000"/>
-            <a:ext cx="3504389" cy="0"/>
+            <a:off x="1476043" y="609600"/>
+            <a:ext cx="10608381" cy="0"/>
           </a:xfrm>
           <a:prstGeom prst="line">
             <a:avLst/>
           </a:prstGeom>
           <a:ln>
             <a:solidFill>
-              <a:schemeClr val="bg1"/>
+              <a:srgbClr val="327A5D"/>
             </a:solidFill>
+            <a:headEnd type="oval" w="sm" len="sm"/>
           </a:ln>
         </p:spPr>
         <p:style>
@@ -12668,10 +12623,951 @@
           </a:fontRef>
         </p:style>
       </p:cxnSp>
+      <p:sp>
+        <p:nvSpPr>
+          <p:cNvPr id="9" name="TextBox 8"/>
+          <p:cNvSpPr txBox="1"/>
+          <p:nvPr/>
+        </p:nvSpPr>
+        <p:spPr>
+          <a:xfrm>
+            <a:off x="397581" y="419772"/>
+            <a:ext cx="854344" cy="379656"/>
+          </a:xfrm>
+          <a:prstGeom prst="rect">
+            <a:avLst/>
+          </a:prstGeom>
+          <a:noFill/>
+          <a:scene3d>
+            <a:camera prst="obliqueTopLeft"/>
+            <a:lightRig rig="threePt" dir="t"/>
+          </a:scene3d>
+        </p:spPr>
+        <p:txBody>
+          <a:bodyPr wrap="square" rtlCol="0">
+            <a:spAutoFit/>
+          </a:bodyPr>
+          <a:lstStyle/>
+          <a:p>
+            <a:pPr marL="0" marR="0" lvl="0" indent="0" algn="ctr" defTabSz="1219170" rtl="0" eaLnBrk="1" fontAlgn="auto" latinLnBrk="1" hangingPunct="1">
+              <a:lnSpc>
+                <a:spcPct val="100000"/>
+              </a:lnSpc>
+              <a:spcBef>
+                <a:spcPts val="0"/>
+              </a:spcBef>
+              <a:spcAft>
+                <a:spcPts val="0"/>
+              </a:spcAft>
+              <a:buClrTx/>
+              <a:buSzTx/>
+              <a:buFontTx/>
+              <a:buNone/>
+              <a:tabLst/>
+              <a:defRPr/>
+            </a:pPr>
+            <a:r>
+              <a:rPr kumimoji="0" lang="en-US" altLang="ko-KR" sz="1867" b="0" i="0" u="none" strike="noStrike" kern="1200" cap="none" spc="-200" normalizeH="0" baseline="0" noProof="0" dirty="0">
+                <a:ln>
+                  <a:noFill/>
+                </a:ln>
+                <a:solidFill>
+                  <a:prstClr val="black">
+                    <a:lumMod val="75000"/>
+                    <a:lumOff val="25000"/>
+                  </a:prstClr>
+                </a:solidFill>
+                <a:effectLst/>
+                <a:uLnTx/>
+                <a:uFillTx/>
+                <a:latin typeface="한컴 윤고딕 240" pitchFamily="18" charset="-127"/>
+                <a:ea typeface="한컴 윤고딕 240" pitchFamily="18" charset="-127"/>
+                <a:cs typeface="+mn-cs"/>
+              </a:rPr>
+              <a:t>3. </a:t>
+            </a:r>
+            <a:r>
+              <a:rPr kumimoji="0" lang="ko-KR" altLang="en-US" sz="1867" b="0" i="0" u="none" strike="noStrike" kern="1200" cap="none" spc="-200" normalizeH="0" baseline="0" noProof="0" dirty="0">
+                <a:ln>
+                  <a:noFill/>
+                </a:ln>
+                <a:solidFill>
+                  <a:prstClr val="black">
+                    <a:lumMod val="75000"/>
+                    <a:lumOff val="25000"/>
+                  </a:prstClr>
+                </a:solidFill>
+                <a:effectLst/>
+                <a:uLnTx/>
+                <a:uFillTx/>
+                <a:latin typeface="한컴 윤고딕 240" pitchFamily="18" charset="-127"/>
+                <a:ea typeface="한컴 윤고딕 240" pitchFamily="18" charset="-127"/>
+                <a:cs typeface="+mn-cs"/>
+              </a:rPr>
+              <a:t>정리</a:t>
+            </a:r>
+          </a:p>
+        </p:txBody>
+      </p:sp>
+      <p:sp>
+        <p:nvSpPr>
+          <p:cNvPr id="8" name="TextBox 7">
+            <a:extLst>
+              <a:ext uri="{FF2B5EF4-FFF2-40B4-BE49-F238E27FC236}">
+                <a16:creationId xmlns:a16="http://schemas.microsoft.com/office/drawing/2014/main" id="{4A9A99C2-C8F6-4A1B-B366-3415569F89D5}"/>
+              </a:ext>
+            </a:extLst>
+          </p:cNvPr>
+          <p:cNvSpPr txBox="1"/>
+          <p:nvPr/>
+        </p:nvSpPr>
+        <p:spPr>
+          <a:xfrm>
+            <a:off x="397581" y="1030353"/>
+            <a:ext cx="8017144" cy="5293757"/>
+          </a:xfrm>
+          <a:prstGeom prst="rect">
+            <a:avLst/>
+          </a:prstGeom>
+          <a:noFill/>
+          <a:scene3d>
+            <a:camera prst="obliqueTopLeft"/>
+            <a:lightRig rig="threePt" dir="t"/>
+          </a:scene3d>
+        </p:spPr>
+        <p:txBody>
+          <a:bodyPr wrap="square" rtlCol="0">
+            <a:spAutoFit/>
+          </a:bodyPr>
+          <a:lstStyle/>
+          <a:p>
+            <a:pPr marR="0" lvl="0" algn="l" defTabSz="1219170" rtl="0" eaLnBrk="1" fontAlgn="auto" latinLnBrk="1" hangingPunct="1">
+              <a:lnSpc>
+                <a:spcPct val="100000"/>
+              </a:lnSpc>
+              <a:spcBef>
+                <a:spcPts val="0"/>
+              </a:spcBef>
+              <a:spcAft>
+                <a:spcPts val="0"/>
+              </a:spcAft>
+              <a:buClrTx/>
+              <a:buSzTx/>
+              <a:tabLst/>
+              <a:defRPr/>
+            </a:pPr>
+            <a:r>
+              <a:rPr kumimoji="0" lang="en-US" altLang="ko-KR" b="1" i="0" u="none" strike="noStrike" kern="1200" cap="none" spc="-200" normalizeH="0" baseline="0" noProof="0" dirty="0">
+                <a:ln>
+                  <a:noFill/>
+                </a:ln>
+                <a:solidFill>
+                  <a:prstClr val="black">
+                    <a:lumMod val="75000"/>
+                    <a:lumOff val="25000"/>
+                  </a:prstClr>
+                </a:solidFill>
+                <a:effectLst/>
+                <a:uLnTx/>
+                <a:uFillTx/>
+                <a:latin typeface="+mj-ea"/>
+                <a:ea typeface="+mj-ea"/>
+              </a:rPr>
+              <a:t>1. </a:t>
+            </a:r>
+            <a:r>
+              <a:rPr kumimoji="0" lang="ko-KR" altLang="en-US" b="1" i="0" u="none" strike="noStrike" kern="1200" cap="none" spc="-200" normalizeH="0" baseline="0" noProof="0" dirty="0">
+                <a:ln>
+                  <a:noFill/>
+                </a:ln>
+                <a:solidFill>
+                  <a:prstClr val="black">
+                    <a:lumMod val="75000"/>
+                    <a:lumOff val="25000"/>
+                  </a:prstClr>
+                </a:solidFill>
+                <a:effectLst/>
+                <a:uLnTx/>
+                <a:uFillTx/>
+                <a:latin typeface="+mj-ea"/>
+                <a:ea typeface="+mj-ea"/>
+              </a:rPr>
+              <a:t>특정한 때에 사고가 많이 일어날 것이다</a:t>
+            </a:r>
+            <a:r>
+              <a:rPr kumimoji="0" lang="en-US" altLang="ko-KR" b="1" i="0" u="none" strike="noStrike" kern="1200" cap="none" spc="-200" normalizeH="0" baseline="0" noProof="0" dirty="0">
+                <a:ln>
+                  <a:noFill/>
+                </a:ln>
+                <a:solidFill>
+                  <a:prstClr val="black">
+                    <a:lumMod val="75000"/>
+                    <a:lumOff val="25000"/>
+                  </a:prstClr>
+                </a:solidFill>
+                <a:effectLst/>
+                <a:uLnTx/>
+                <a:uFillTx/>
+                <a:latin typeface="+mj-ea"/>
+                <a:ea typeface="+mj-ea"/>
+              </a:rPr>
+              <a:t>.</a:t>
+            </a:r>
+          </a:p>
+          <a:p>
+            <a:pPr marL="457200" marR="0" lvl="0" indent="-457200" algn="l" defTabSz="1219170" rtl="0" eaLnBrk="1" fontAlgn="auto" latinLnBrk="1" hangingPunct="1">
+              <a:lnSpc>
+                <a:spcPct val="100000"/>
+              </a:lnSpc>
+              <a:spcBef>
+                <a:spcPts val="0"/>
+              </a:spcBef>
+              <a:spcAft>
+                <a:spcPts val="0"/>
+              </a:spcAft>
+              <a:buClrTx/>
+              <a:buSzTx/>
+              <a:buFontTx/>
+              <a:buAutoNum type="arabicParenBoth"/>
+              <a:tabLst/>
+              <a:defRPr/>
+            </a:pPr>
+            <a:endParaRPr kumimoji="0" lang="en-US" altLang="ko-KR" b="0" i="0" u="none" strike="noStrike" kern="1200" cap="none" spc="-200" normalizeH="0" baseline="0" noProof="0" dirty="0">
+              <a:ln>
+                <a:noFill/>
+              </a:ln>
+              <a:solidFill>
+                <a:prstClr val="black">
+                  <a:lumMod val="75000"/>
+                  <a:lumOff val="25000"/>
+                </a:prstClr>
+              </a:solidFill>
+              <a:effectLst/>
+              <a:uLnTx/>
+              <a:uFillTx/>
+              <a:latin typeface="+mj-ea"/>
+              <a:ea typeface="+mj-ea"/>
+            </a:endParaRPr>
+          </a:p>
+          <a:p>
+            <a:pPr marL="342900" indent="-342900" defTabSz="1219170">
+              <a:buFontTx/>
+              <a:buChar char="-"/>
+              <a:defRPr/>
+            </a:pPr>
+            <a:r>
+              <a:rPr lang="ko-KR" altLang="en-US" sz="1600" spc="-200" dirty="0">
+                <a:solidFill>
+                  <a:prstClr val="black">
+                    <a:lumMod val="75000"/>
+                    <a:lumOff val="25000"/>
+                  </a:prstClr>
+                </a:solidFill>
+                <a:latin typeface="+mj-ea"/>
+                <a:ea typeface="+mj-ea"/>
+              </a:rPr>
+              <a:t>달 별 사망사고 횟수 및 사망자 수 확인</a:t>
+            </a:r>
+            <a:endParaRPr lang="en-US" altLang="ko-KR" sz="1600" spc="-200" dirty="0">
+              <a:solidFill>
+                <a:prstClr val="black">
+                  <a:lumMod val="75000"/>
+                  <a:lumOff val="25000"/>
+                </a:prstClr>
+              </a:solidFill>
+              <a:latin typeface="+mj-ea"/>
+              <a:ea typeface="+mj-ea"/>
+            </a:endParaRPr>
+          </a:p>
+          <a:p>
+            <a:pPr marL="342900" indent="-342900" defTabSz="1219170">
+              <a:buFontTx/>
+              <a:buChar char="-"/>
+              <a:defRPr/>
+            </a:pPr>
+            <a:endParaRPr lang="en-US" altLang="ko-KR" spc="-200" dirty="0">
+              <a:solidFill>
+                <a:prstClr val="black">
+                  <a:lumMod val="75000"/>
+                  <a:lumOff val="25000"/>
+                </a:prstClr>
+              </a:solidFill>
+              <a:latin typeface="+mj-ea"/>
+              <a:ea typeface="+mj-ea"/>
+            </a:endParaRPr>
+          </a:p>
+          <a:p>
+            <a:pPr defTabSz="1219170">
+              <a:defRPr/>
+            </a:pPr>
+            <a:r>
+              <a:rPr lang="en-US" altLang="ko-KR" sz="1200" spc="-200" dirty="0">
+                <a:solidFill>
+                  <a:prstClr val="black">
+                    <a:lumMod val="75000"/>
+                    <a:lumOff val="25000"/>
+                  </a:prstClr>
+                </a:solidFill>
+                <a:latin typeface="+mj-ea"/>
+                <a:ea typeface="+mj-ea"/>
+              </a:rPr>
+              <a:t>:   10</a:t>
+            </a:r>
+            <a:r>
+              <a:rPr lang="ko-KR" altLang="en-US" sz="1200" spc="-200" dirty="0">
+                <a:solidFill>
+                  <a:prstClr val="black">
+                    <a:lumMod val="75000"/>
+                    <a:lumOff val="25000"/>
+                  </a:prstClr>
+                </a:solidFill>
+                <a:latin typeface="+mj-ea"/>
+                <a:ea typeface="+mj-ea"/>
+              </a:rPr>
+              <a:t>월에 사망사고가 다른 달 보다 빈번</a:t>
+            </a:r>
+            <a:r>
+              <a:rPr lang="en-US" altLang="ko-KR" sz="1200" spc="-200" dirty="0">
+                <a:solidFill>
+                  <a:prstClr val="black">
+                    <a:lumMod val="75000"/>
+                    <a:lumOff val="25000"/>
+                  </a:prstClr>
+                </a:solidFill>
+                <a:latin typeface="+mj-ea"/>
+                <a:ea typeface="+mj-ea"/>
+              </a:rPr>
+              <a:t>, 2</a:t>
+            </a:r>
+            <a:r>
+              <a:rPr lang="ko-KR" altLang="en-US" sz="1200" spc="-200" dirty="0">
+                <a:solidFill>
+                  <a:prstClr val="black">
+                    <a:lumMod val="75000"/>
+                    <a:lumOff val="25000"/>
+                  </a:prstClr>
+                </a:solidFill>
+                <a:latin typeface="+mj-ea"/>
+                <a:ea typeface="+mj-ea"/>
+              </a:rPr>
+              <a:t>월에 사망사고가 다른 달 보다 뜸함</a:t>
+            </a:r>
+            <a:endParaRPr lang="en-US" altLang="ko-KR" sz="1200" spc="-200" dirty="0">
+              <a:solidFill>
+                <a:prstClr val="black">
+                  <a:lumMod val="75000"/>
+                  <a:lumOff val="25000"/>
+                </a:prstClr>
+              </a:solidFill>
+              <a:latin typeface="+mj-ea"/>
+              <a:ea typeface="+mj-ea"/>
+            </a:endParaRPr>
+          </a:p>
+          <a:p>
+            <a:pPr defTabSz="1219170">
+              <a:defRPr/>
+            </a:pPr>
+            <a:endParaRPr lang="en-US" altLang="ko-KR" sz="1400" spc="-200" dirty="0">
+              <a:solidFill>
+                <a:prstClr val="black">
+                  <a:lumMod val="75000"/>
+                  <a:lumOff val="25000"/>
+                </a:prstClr>
+              </a:solidFill>
+              <a:latin typeface="+mj-ea"/>
+              <a:ea typeface="+mj-ea"/>
+            </a:endParaRPr>
+          </a:p>
+          <a:p>
+            <a:pPr marL="342900" indent="-342900" defTabSz="1219170">
+              <a:buFontTx/>
+              <a:buChar char="-"/>
+              <a:defRPr/>
+            </a:pPr>
+            <a:r>
+              <a:rPr lang="ko-KR" altLang="en-US" sz="1600" spc="-200" dirty="0">
+                <a:solidFill>
+                  <a:prstClr val="black">
+                    <a:lumMod val="75000"/>
+                    <a:lumOff val="25000"/>
+                  </a:prstClr>
+                </a:solidFill>
+                <a:latin typeface="+mj-ea"/>
+                <a:ea typeface="+mj-ea"/>
+              </a:rPr>
+              <a:t>날짜 별 사고횟수 확인</a:t>
+            </a:r>
+            <a:r>
+              <a:rPr lang="en-US" altLang="ko-KR" sz="1600" spc="-200" dirty="0">
+                <a:solidFill>
+                  <a:prstClr val="black">
+                    <a:lumMod val="75000"/>
+                    <a:lumOff val="25000"/>
+                  </a:prstClr>
+                </a:solidFill>
+                <a:latin typeface="+mj-ea"/>
+                <a:ea typeface="+mj-ea"/>
+              </a:rPr>
+              <a:t>(</a:t>
+            </a:r>
+            <a:r>
+              <a:rPr lang="ko-KR" altLang="en-US" sz="1600" spc="-200" dirty="0">
+                <a:solidFill>
+                  <a:prstClr val="black">
+                    <a:lumMod val="75000"/>
+                    <a:lumOff val="25000"/>
+                  </a:prstClr>
+                </a:solidFill>
+                <a:latin typeface="+mj-ea"/>
+                <a:ea typeface="+mj-ea"/>
+              </a:rPr>
+              <a:t>특정 날에 사고가 많이 발생할지는 확인</a:t>
+            </a:r>
+            <a:r>
+              <a:rPr lang="en-US" altLang="ko-KR" sz="1600" spc="-200" dirty="0">
+                <a:solidFill>
+                  <a:prstClr val="black">
+                    <a:lumMod val="75000"/>
+                    <a:lumOff val="25000"/>
+                  </a:prstClr>
+                </a:solidFill>
+                <a:latin typeface="+mj-ea"/>
+                <a:ea typeface="+mj-ea"/>
+              </a:rPr>
+              <a:t>) ex) </a:t>
+            </a:r>
+            <a:r>
+              <a:rPr lang="ko-KR" altLang="en-US" sz="1600" spc="-200" dirty="0">
+                <a:solidFill>
+                  <a:prstClr val="black">
+                    <a:lumMod val="75000"/>
+                    <a:lumOff val="25000"/>
+                  </a:prstClr>
+                </a:solidFill>
+                <a:latin typeface="+mj-ea"/>
+                <a:ea typeface="+mj-ea"/>
+              </a:rPr>
+              <a:t>추석 </a:t>
+            </a:r>
+            <a:r>
+              <a:rPr lang="en-US" altLang="ko-KR" sz="1600" spc="-200" dirty="0">
+                <a:solidFill>
+                  <a:prstClr val="black">
+                    <a:lumMod val="75000"/>
+                    <a:lumOff val="25000"/>
+                  </a:prstClr>
+                </a:solidFill>
+                <a:latin typeface="+mj-ea"/>
+                <a:ea typeface="+mj-ea"/>
+              </a:rPr>
+              <a:t>or </a:t>
+            </a:r>
+            <a:r>
+              <a:rPr lang="ko-KR" altLang="en-US" sz="1600" spc="-200" dirty="0">
+                <a:solidFill>
+                  <a:prstClr val="black">
+                    <a:lumMod val="75000"/>
+                    <a:lumOff val="25000"/>
+                  </a:prstClr>
+                </a:solidFill>
+                <a:latin typeface="+mj-ea"/>
+                <a:ea typeface="+mj-ea"/>
+              </a:rPr>
+              <a:t>설날</a:t>
+            </a:r>
+            <a:endParaRPr lang="en-US" altLang="ko-KR" sz="1600" spc="-200" dirty="0">
+              <a:solidFill>
+                <a:prstClr val="black">
+                  <a:lumMod val="75000"/>
+                  <a:lumOff val="25000"/>
+                </a:prstClr>
+              </a:solidFill>
+              <a:latin typeface="+mj-ea"/>
+              <a:ea typeface="+mj-ea"/>
+            </a:endParaRPr>
+          </a:p>
+          <a:p>
+            <a:pPr marL="342900" indent="-342900" defTabSz="1219170">
+              <a:buFontTx/>
+              <a:buChar char="-"/>
+              <a:defRPr/>
+            </a:pPr>
+            <a:endParaRPr lang="en-US" altLang="ko-KR" spc="-200" dirty="0">
+              <a:solidFill>
+                <a:prstClr val="black">
+                  <a:lumMod val="75000"/>
+                  <a:lumOff val="25000"/>
+                </a:prstClr>
+              </a:solidFill>
+              <a:latin typeface="+mj-ea"/>
+              <a:ea typeface="+mj-ea"/>
+            </a:endParaRPr>
+          </a:p>
+          <a:p>
+            <a:pPr lvl="0" defTabSz="1219170">
+              <a:defRPr/>
+            </a:pPr>
+            <a:r>
+              <a:rPr lang="en-US" altLang="ko-KR" sz="1200" spc="-200" dirty="0">
+                <a:solidFill>
+                  <a:prstClr val="black">
+                    <a:lumMod val="75000"/>
+                    <a:lumOff val="25000"/>
+                  </a:prstClr>
+                </a:solidFill>
+                <a:latin typeface="맑은 고딕" panose="020B0503020000020004" pitchFamily="50" charset="-127"/>
+              </a:rPr>
+              <a:t>:   </a:t>
+            </a:r>
+            <a:r>
+              <a:rPr lang="ko-KR" altLang="en-US" sz="1200" spc="-200" dirty="0">
+                <a:solidFill>
+                  <a:prstClr val="black">
+                    <a:lumMod val="75000"/>
+                    <a:lumOff val="25000"/>
+                  </a:prstClr>
+                </a:solidFill>
+                <a:latin typeface="맑은 고딕" panose="020B0503020000020004" pitchFamily="50" charset="-127"/>
+              </a:rPr>
+              <a:t>휴일에 사망사고가 다른 특정 날보다 빈번하게 발생하지 않음</a:t>
+            </a:r>
+            <a:r>
+              <a:rPr lang="en-US" altLang="ko-KR" sz="1200" spc="-200" dirty="0">
+                <a:solidFill>
+                  <a:prstClr val="black">
+                    <a:lumMod val="75000"/>
+                    <a:lumOff val="25000"/>
+                  </a:prstClr>
+                </a:solidFill>
+                <a:latin typeface="맑은 고딕" panose="020B0503020000020004" pitchFamily="50" charset="-127"/>
+              </a:rPr>
+              <a:t>.</a:t>
+            </a:r>
+            <a:endParaRPr lang="en-US" altLang="ko-KR" spc="-200" dirty="0">
+              <a:solidFill>
+                <a:prstClr val="black">
+                  <a:lumMod val="75000"/>
+                  <a:lumOff val="25000"/>
+                </a:prstClr>
+              </a:solidFill>
+              <a:latin typeface="+mj-ea"/>
+              <a:ea typeface="+mj-ea"/>
+            </a:endParaRPr>
+          </a:p>
+          <a:p>
+            <a:pPr marL="342900" indent="-342900" defTabSz="1219170">
+              <a:buFontTx/>
+              <a:buChar char="-"/>
+              <a:defRPr/>
+            </a:pPr>
+            <a:endParaRPr lang="en-US" altLang="ko-KR" spc="-200" dirty="0">
+              <a:solidFill>
+                <a:prstClr val="black">
+                  <a:lumMod val="75000"/>
+                  <a:lumOff val="25000"/>
+                </a:prstClr>
+              </a:solidFill>
+              <a:latin typeface="+mj-ea"/>
+              <a:ea typeface="+mj-ea"/>
+            </a:endParaRPr>
+          </a:p>
+          <a:p>
+            <a:pPr marL="342900" indent="-342900" defTabSz="1219170">
+              <a:buFontTx/>
+              <a:buChar char="-"/>
+              <a:defRPr/>
+            </a:pPr>
+            <a:r>
+              <a:rPr lang="ko-KR" altLang="en-US" sz="1600" spc="-200" dirty="0">
+                <a:solidFill>
+                  <a:prstClr val="black">
+                    <a:lumMod val="75000"/>
+                    <a:lumOff val="25000"/>
+                  </a:prstClr>
+                </a:solidFill>
+                <a:latin typeface="+mj-ea"/>
+                <a:ea typeface="+mj-ea"/>
+              </a:rPr>
+              <a:t>평일보다는 주말에 사망사고가 많이 발생하는지</a:t>
+            </a:r>
+            <a:r>
+              <a:rPr lang="en-US" altLang="ko-KR" sz="1600" spc="-200" dirty="0">
+                <a:solidFill>
+                  <a:prstClr val="black">
+                    <a:lumMod val="75000"/>
+                    <a:lumOff val="25000"/>
+                  </a:prstClr>
+                </a:solidFill>
+                <a:latin typeface="+mj-ea"/>
+                <a:ea typeface="+mj-ea"/>
+              </a:rPr>
+              <a:t>.</a:t>
+            </a:r>
+          </a:p>
+          <a:p>
+            <a:pPr marL="342900" indent="-342900" defTabSz="1219170">
+              <a:buFontTx/>
+              <a:buChar char="-"/>
+              <a:defRPr/>
+            </a:pPr>
+            <a:endParaRPr lang="en-US" altLang="ko-KR" spc="-200" dirty="0">
+              <a:solidFill>
+                <a:prstClr val="black">
+                  <a:lumMod val="75000"/>
+                  <a:lumOff val="25000"/>
+                </a:prstClr>
+              </a:solidFill>
+              <a:latin typeface="+mj-ea"/>
+              <a:ea typeface="+mj-ea"/>
+            </a:endParaRPr>
+          </a:p>
+          <a:p>
+            <a:pPr lvl="0" defTabSz="1219170">
+              <a:defRPr/>
+            </a:pPr>
+            <a:r>
+              <a:rPr lang="en-US" altLang="ko-KR" sz="1200" spc="-200" dirty="0">
+                <a:solidFill>
+                  <a:prstClr val="black">
+                    <a:lumMod val="75000"/>
+                    <a:lumOff val="25000"/>
+                  </a:prstClr>
+                </a:solidFill>
+                <a:latin typeface="맑은 고딕" panose="020B0503020000020004" pitchFamily="50" charset="-127"/>
+              </a:rPr>
+              <a:t>:   </a:t>
+            </a:r>
+            <a:r>
+              <a:rPr lang="ko-KR" altLang="en-US" sz="1200" spc="-200" dirty="0">
+                <a:solidFill>
+                  <a:prstClr val="black">
+                    <a:lumMod val="75000"/>
+                    <a:lumOff val="25000"/>
+                  </a:prstClr>
+                </a:solidFill>
+                <a:latin typeface="맑은 고딕" panose="020B0503020000020004" pitchFamily="50" charset="-127"/>
+              </a:rPr>
+              <a:t>평일과 주말의 사망사고횟수의 차가 크지 않다</a:t>
+            </a:r>
+            <a:r>
+              <a:rPr lang="en-US" altLang="ko-KR" sz="1200" spc="-200" dirty="0">
+                <a:solidFill>
+                  <a:prstClr val="black">
+                    <a:lumMod val="75000"/>
+                    <a:lumOff val="25000"/>
+                  </a:prstClr>
+                </a:solidFill>
+                <a:latin typeface="맑은 고딕" panose="020B0503020000020004" pitchFamily="50" charset="-127"/>
+              </a:rPr>
+              <a:t>.</a:t>
+            </a:r>
+          </a:p>
+          <a:p>
+            <a:pPr lvl="0" defTabSz="1219170">
+              <a:defRPr/>
+            </a:pPr>
+            <a:endParaRPr lang="en-US" altLang="ko-KR" spc="-200" dirty="0">
+              <a:solidFill>
+                <a:prstClr val="black">
+                  <a:lumMod val="75000"/>
+                  <a:lumOff val="25000"/>
+                </a:prstClr>
+              </a:solidFill>
+              <a:latin typeface="+mj-ea"/>
+              <a:ea typeface="+mj-ea"/>
+            </a:endParaRPr>
+          </a:p>
+          <a:p>
+            <a:pPr marL="342900" indent="-342900" defTabSz="1219170">
+              <a:buFontTx/>
+              <a:buChar char="-"/>
+              <a:defRPr/>
+            </a:pPr>
+            <a:r>
+              <a:rPr lang="ko-KR" altLang="en-US" sz="1600" spc="-200" dirty="0">
+                <a:solidFill>
+                  <a:prstClr val="black">
+                    <a:lumMod val="75000"/>
+                    <a:lumOff val="25000"/>
+                  </a:prstClr>
+                </a:solidFill>
+                <a:latin typeface="+mj-ea"/>
+                <a:ea typeface="+mj-ea"/>
+              </a:rPr>
+              <a:t>출퇴근 시간에 사망사고가 많이 발생하는지</a:t>
+            </a:r>
+            <a:r>
+              <a:rPr lang="en-US" altLang="ko-KR" sz="1600" spc="-200" dirty="0">
+                <a:solidFill>
+                  <a:prstClr val="black">
+                    <a:lumMod val="75000"/>
+                    <a:lumOff val="25000"/>
+                  </a:prstClr>
+                </a:solidFill>
+                <a:latin typeface="+mj-ea"/>
+                <a:ea typeface="+mj-ea"/>
+              </a:rPr>
+              <a:t>.</a:t>
+            </a:r>
+          </a:p>
+          <a:p>
+            <a:pPr marL="342900" indent="-342900" defTabSz="1219170">
+              <a:buFontTx/>
+              <a:buChar char="-"/>
+              <a:defRPr/>
+            </a:pPr>
+            <a:endParaRPr lang="en-US" altLang="ko-KR" sz="1600" spc="-200" dirty="0">
+              <a:solidFill>
+                <a:prstClr val="black">
+                  <a:lumMod val="75000"/>
+                  <a:lumOff val="25000"/>
+                </a:prstClr>
+              </a:solidFill>
+              <a:latin typeface="+mj-ea"/>
+              <a:ea typeface="+mj-ea"/>
+            </a:endParaRPr>
+          </a:p>
+          <a:p>
+            <a:pPr lvl="0" defTabSz="1219170">
+              <a:defRPr/>
+            </a:pPr>
+            <a:r>
+              <a:rPr lang="en-US" altLang="ko-KR" sz="1200" spc="-200" dirty="0">
+                <a:solidFill>
+                  <a:prstClr val="black">
+                    <a:lumMod val="75000"/>
+                    <a:lumOff val="25000"/>
+                  </a:prstClr>
+                </a:solidFill>
+                <a:latin typeface="맑은 고딕" panose="020B0503020000020004" pitchFamily="50" charset="-127"/>
+              </a:rPr>
+              <a:t>:   </a:t>
+            </a:r>
+            <a:r>
+              <a:rPr lang="ko-KR" altLang="en-US" sz="1200" spc="-200" dirty="0">
+                <a:solidFill>
+                  <a:prstClr val="black">
+                    <a:lumMod val="75000"/>
+                    <a:lumOff val="25000"/>
+                  </a:prstClr>
+                </a:solidFill>
+                <a:latin typeface="맑은 고딕" panose="020B0503020000020004" pitchFamily="50" charset="-127"/>
+              </a:rPr>
+              <a:t>퇴근시간</a:t>
+            </a:r>
+            <a:r>
+              <a:rPr lang="en-US" altLang="ko-KR" sz="1200" spc="-200" dirty="0">
+                <a:solidFill>
+                  <a:prstClr val="black">
+                    <a:lumMod val="75000"/>
+                    <a:lumOff val="25000"/>
+                  </a:prstClr>
+                </a:solidFill>
+                <a:latin typeface="맑은 고딕" panose="020B0503020000020004" pitchFamily="50" charset="-127"/>
+              </a:rPr>
+              <a:t>(18</a:t>
+            </a:r>
+            <a:r>
+              <a:rPr lang="ko-KR" altLang="en-US" sz="1200" spc="-200" dirty="0">
+                <a:solidFill>
+                  <a:prstClr val="black">
+                    <a:lumMod val="75000"/>
+                    <a:lumOff val="25000"/>
+                  </a:prstClr>
+                </a:solidFill>
+                <a:latin typeface="맑은 고딕" panose="020B0503020000020004" pitchFamily="50" charset="-127"/>
+              </a:rPr>
+              <a:t>시</a:t>
+            </a:r>
+            <a:r>
+              <a:rPr lang="en-US" altLang="ko-KR" sz="1200" spc="-200" dirty="0">
+                <a:solidFill>
+                  <a:prstClr val="black">
+                    <a:lumMod val="75000"/>
+                    <a:lumOff val="25000"/>
+                  </a:prstClr>
+                </a:solidFill>
+                <a:latin typeface="맑은 고딕" panose="020B0503020000020004" pitchFamily="50" charset="-127"/>
+              </a:rPr>
+              <a:t>-20</a:t>
+            </a:r>
+            <a:r>
+              <a:rPr lang="ko-KR" altLang="en-US" sz="1200" spc="-200" dirty="0">
+                <a:solidFill>
+                  <a:prstClr val="black">
+                    <a:lumMod val="75000"/>
+                    <a:lumOff val="25000"/>
+                  </a:prstClr>
+                </a:solidFill>
+                <a:latin typeface="맑은 고딕" panose="020B0503020000020004" pitchFamily="50" charset="-127"/>
+              </a:rPr>
+              <a:t>시</a:t>
+            </a:r>
+            <a:r>
+              <a:rPr lang="en-US" altLang="ko-KR" sz="1200" spc="-200" dirty="0">
+                <a:solidFill>
+                  <a:prstClr val="black">
+                    <a:lumMod val="75000"/>
+                    <a:lumOff val="25000"/>
+                  </a:prstClr>
+                </a:solidFill>
+                <a:latin typeface="맑은 고딕" panose="020B0503020000020004" pitchFamily="50" charset="-127"/>
+              </a:rPr>
+              <a:t>)</a:t>
+            </a:r>
+            <a:r>
+              <a:rPr lang="ko-KR" altLang="en-US" sz="1200" spc="-200" dirty="0">
+                <a:solidFill>
+                  <a:prstClr val="black">
+                    <a:lumMod val="75000"/>
+                    <a:lumOff val="25000"/>
+                  </a:prstClr>
+                </a:solidFill>
+                <a:latin typeface="맑은 고딕" panose="020B0503020000020004" pitchFamily="50" charset="-127"/>
+              </a:rPr>
+              <a:t>에 사망사고가 더욱 빈번하게 발생</a:t>
+            </a:r>
+            <a:endParaRPr lang="en-US" altLang="ko-KR" sz="1200" spc="-200" dirty="0">
+              <a:solidFill>
+                <a:prstClr val="black">
+                  <a:lumMod val="75000"/>
+                  <a:lumOff val="25000"/>
+                </a:prstClr>
+              </a:solidFill>
+              <a:latin typeface="맑은 고딕" panose="020B0503020000020004" pitchFamily="50" charset="-127"/>
+            </a:endParaRPr>
+          </a:p>
+          <a:p>
+            <a:pPr lvl="0" defTabSz="1219170">
+              <a:defRPr/>
+            </a:pPr>
+            <a:endParaRPr lang="en-US" altLang="ko-KR" spc="-200" dirty="0">
+              <a:solidFill>
+                <a:prstClr val="black">
+                  <a:lumMod val="75000"/>
+                  <a:lumOff val="25000"/>
+                </a:prstClr>
+              </a:solidFill>
+              <a:latin typeface="+mj-ea"/>
+              <a:ea typeface="+mj-ea"/>
+            </a:endParaRPr>
+          </a:p>
+          <a:p>
+            <a:pPr defTabSz="1219170">
+              <a:defRPr/>
+            </a:pPr>
+            <a:r>
+              <a:rPr lang="en-US" altLang="ko-KR" b="1" spc="-200" dirty="0">
+                <a:solidFill>
+                  <a:prstClr val="black">
+                    <a:lumMod val="75000"/>
+                    <a:lumOff val="25000"/>
+                  </a:prstClr>
+                </a:solidFill>
+                <a:latin typeface="+mj-ea"/>
+                <a:ea typeface="+mj-ea"/>
+              </a:rPr>
+              <a:t>2. </a:t>
+            </a:r>
+            <a:r>
+              <a:rPr lang="ko-KR" altLang="en-US" b="1" spc="-200" dirty="0">
+                <a:solidFill>
+                  <a:prstClr val="black">
+                    <a:lumMod val="75000"/>
+                    <a:lumOff val="25000"/>
+                  </a:prstClr>
+                </a:solidFill>
+                <a:latin typeface="+mj-ea"/>
+                <a:ea typeface="+mj-ea"/>
+              </a:rPr>
+              <a:t>각 도 별 또는 특별시 별 인구 비율과 사고 발생률이 비슷할 것이다</a:t>
+            </a:r>
+            <a:r>
+              <a:rPr lang="en-US" altLang="ko-KR" b="1" spc="-200" dirty="0">
+                <a:solidFill>
+                  <a:prstClr val="black">
+                    <a:lumMod val="75000"/>
+                    <a:lumOff val="25000"/>
+                  </a:prstClr>
+                </a:solidFill>
+                <a:latin typeface="+mj-ea"/>
+                <a:ea typeface="+mj-ea"/>
+              </a:rPr>
+              <a:t>.</a:t>
+            </a:r>
+          </a:p>
+          <a:p>
+            <a:pPr defTabSz="1219170">
+              <a:defRPr/>
+            </a:pPr>
+            <a:endParaRPr lang="en-US" altLang="ko-KR" b="1" spc="-200" dirty="0">
+              <a:solidFill>
+                <a:prstClr val="black">
+                  <a:lumMod val="75000"/>
+                  <a:lumOff val="25000"/>
+                </a:prstClr>
+              </a:solidFill>
+              <a:latin typeface="+mj-ea"/>
+              <a:ea typeface="+mj-ea"/>
+            </a:endParaRPr>
+          </a:p>
+          <a:p>
+            <a:pPr lvl="0" defTabSz="1219170">
+              <a:defRPr/>
+            </a:pPr>
+            <a:r>
+              <a:rPr lang="en-US" altLang="ko-KR" sz="1200" spc="-200" dirty="0">
+                <a:solidFill>
+                  <a:prstClr val="black">
+                    <a:lumMod val="75000"/>
+                    <a:lumOff val="25000"/>
+                  </a:prstClr>
+                </a:solidFill>
+                <a:latin typeface="맑은 고딕" panose="020B0503020000020004" pitchFamily="50" charset="-127"/>
+              </a:rPr>
+              <a:t>:   </a:t>
+            </a:r>
+            <a:r>
+              <a:rPr lang="ko-KR" altLang="en-US" sz="1200" spc="-200" dirty="0">
+                <a:solidFill>
+                  <a:prstClr val="black">
+                    <a:lumMod val="75000"/>
+                    <a:lumOff val="25000"/>
+                  </a:prstClr>
+                </a:solidFill>
+                <a:latin typeface="맑은 고딕" panose="020B0503020000020004" pitchFamily="50" charset="-127"/>
+              </a:rPr>
+              <a:t>대체적으로 인구 비율과 사고 발생률이  유사</a:t>
+            </a:r>
+            <a:r>
+              <a:rPr lang="en-US" altLang="ko-KR" sz="1200" spc="-200" dirty="0">
+                <a:solidFill>
+                  <a:prstClr val="black">
+                    <a:lumMod val="75000"/>
+                    <a:lumOff val="25000"/>
+                  </a:prstClr>
+                </a:solidFill>
+                <a:latin typeface="맑은 고딕" panose="020B0503020000020004" pitchFamily="50" charset="-127"/>
+              </a:rPr>
+              <a:t>.</a:t>
+            </a:r>
+            <a:endParaRPr lang="en-US" altLang="ko-KR" sz="1600" spc="-200" dirty="0">
+              <a:solidFill>
+                <a:prstClr val="black">
+                  <a:lumMod val="75000"/>
+                  <a:lumOff val="25000"/>
+                </a:prstClr>
+              </a:solidFill>
+              <a:latin typeface="+mj-ea"/>
+              <a:ea typeface="+mj-ea"/>
+            </a:endParaRPr>
+          </a:p>
+        </p:txBody>
+      </p:sp>
     </p:spTree>
     <p:extLst>
       <p:ext uri="{BB962C8B-B14F-4D97-AF65-F5344CB8AC3E}">
-        <p14:creationId xmlns:p14="http://schemas.microsoft.com/office/powerpoint/2010/main" val="448502650"/>
+        <p14:creationId xmlns:p14="http://schemas.microsoft.com/office/powerpoint/2010/main" val="1215329985"/>
       </p:ext>
     </p:extLst>
   </p:cSld>
